--- a/Network Assisted Platooning.pptx
+++ b/Network Assisted Platooning.pptx
@@ -3003,7 +3003,7 @@
         <p:spPr>
           <a:xfrm>
             <a:off x="3240" y="6400800"/>
-            <a:ext cx="12188160" cy="456480"/>
+            <a:ext cx="12187800" cy="456120"/>
           </a:xfrm>
           <a:prstGeom prst="rect">
             <a:avLst/>
@@ -3039,7 +3039,7 @@
         <p:spPr>
           <a:xfrm>
             <a:off x="0" y="6334200"/>
-            <a:ext cx="12188160" cy="63360"/>
+            <a:ext cx="12187800" cy="63000"/>
           </a:xfrm>
           <a:prstGeom prst="rect">
             <a:avLst/>
@@ -3112,7 +3112,7 @@
         <p:spPr>
           <a:xfrm>
             <a:off x="0" y="6400800"/>
-            <a:ext cx="12191400" cy="456480"/>
+            <a:ext cx="12191040" cy="456120"/>
           </a:xfrm>
           <a:prstGeom prst="rect">
             <a:avLst/>
@@ -3148,7 +3148,7 @@
         <p:spPr>
           <a:xfrm>
             <a:off x="0" y="6334200"/>
-            <a:ext cx="12191400" cy="65880"/>
+            <a:ext cx="12191040" cy="65520"/>
           </a:xfrm>
           <a:prstGeom prst="rect">
             <a:avLst/>
@@ -3224,8 +3224,8 @@
         </p:nvSpPr>
         <p:spPr>
           <a:xfrm>
-            <a:off x="1097280" y="286560"/>
-            <a:ext cx="10057680" cy="1450080"/>
+            <a:off x="609480" y="273600"/>
+            <a:ext cx="10972080" cy="1144440"/>
           </a:xfrm>
           <a:prstGeom prst="rect">
             <a:avLst/>
@@ -3262,7 +3262,7 @@
         <p:spPr>
           <a:xfrm>
             <a:off x="609480" y="1604520"/>
-            <a:ext cx="10972440" cy="3977280"/>
+            <a:ext cx="10972080" cy="3976920"/>
           </a:xfrm>
           <a:prstGeom prst="rect">
             <a:avLst/>
@@ -3280,7 +3280,7 @@
               <a:buChar char=""/>
             </a:pPr>
             <a:r>
-              <a:rPr b="0" lang="en-US" sz="3200" spc="-1" strike="noStrike">
+              <a:rPr b="0" lang="en-US" sz="1800" spc="-1" strike="noStrike">
                 <a:solidFill>
                   <a:srgbClr val="000000"/>
                 </a:solidFill>
@@ -3293,7 +3293,7 @@
               </a:rPr>
               <a:t>Click to edit the outline text format</a:t>
             </a:r>
-            <a:endParaRPr b="0" lang="en-US" sz="3200" spc="-1" strike="noStrike">
+            <a:endParaRPr b="0" lang="en-US" sz="1800" spc="-1" strike="noStrike">
               <a:solidFill>
                 <a:srgbClr val="000000"/>
               </a:solidFill>
@@ -3315,7 +3315,7 @@
               <a:buChar char=""/>
             </a:pPr>
             <a:r>
-              <a:rPr b="0" lang="en-US" sz="2800" spc="-1" strike="noStrike">
+              <a:rPr b="0" lang="en-US" sz="1800" spc="-1" strike="noStrike">
                 <a:solidFill>
                   <a:srgbClr val="000000"/>
                 </a:solidFill>
@@ -3328,7 +3328,7 @@
               </a:rPr>
               <a:t>Second Outline Level</a:t>
             </a:r>
-            <a:endParaRPr b="0" lang="en-US" sz="2800" spc="-1" strike="noStrike">
+            <a:endParaRPr b="0" lang="en-US" sz="1800" spc="-1" strike="noStrike">
               <a:solidFill>
                 <a:srgbClr val="000000"/>
               </a:solidFill>
@@ -3350,7 +3350,7 @@
               <a:buChar char=""/>
             </a:pPr>
             <a:r>
-              <a:rPr b="0" lang="en-US" sz="2400" spc="-1" strike="noStrike">
+              <a:rPr b="0" lang="en-US" sz="1800" spc="-1" strike="noStrike">
                 <a:solidFill>
                   <a:srgbClr val="000000"/>
                 </a:solidFill>
@@ -3363,7 +3363,7 @@
               </a:rPr>
               <a:t>Third Outline Level</a:t>
             </a:r>
-            <a:endParaRPr b="0" lang="en-US" sz="2400" spc="-1" strike="noStrike">
+            <a:endParaRPr b="0" lang="en-US" sz="1800" spc="-1" strike="noStrike">
               <a:solidFill>
                 <a:srgbClr val="000000"/>
               </a:solidFill>
@@ -3385,7 +3385,7 @@
               <a:buChar char=""/>
             </a:pPr>
             <a:r>
-              <a:rPr b="0" lang="en-US" sz="2000" spc="-1" strike="noStrike">
+              <a:rPr b="0" lang="en-US" sz="1800" spc="-1" strike="noStrike">
                 <a:solidFill>
                   <a:srgbClr val="000000"/>
                 </a:solidFill>
@@ -3398,7 +3398,7 @@
               </a:rPr>
               <a:t>Fourth Outline Level</a:t>
             </a:r>
-            <a:endParaRPr b="0" lang="en-US" sz="2000" spc="-1" strike="noStrike">
+            <a:endParaRPr b="0" lang="en-US" sz="1800" spc="-1" strike="noStrike">
               <a:solidFill>
                 <a:srgbClr val="000000"/>
               </a:solidFill>
@@ -3420,7 +3420,7 @@
               <a:buChar char=""/>
             </a:pPr>
             <a:r>
-              <a:rPr b="0" lang="en-US" sz="2000" spc="-1" strike="noStrike">
+              <a:rPr b="0" lang="en-US" sz="1800" spc="-1" strike="noStrike">
                 <a:solidFill>
                   <a:srgbClr val="000000"/>
                 </a:solidFill>
@@ -3433,7 +3433,7 @@
               </a:rPr>
               <a:t>Fifth Outline Level</a:t>
             </a:r>
-            <a:endParaRPr b="0" lang="en-US" sz="2000" spc="-1" strike="noStrike">
+            <a:endParaRPr b="0" lang="en-US" sz="1800" spc="-1" strike="noStrike">
               <a:solidFill>
                 <a:srgbClr val="000000"/>
               </a:solidFill>
@@ -3455,7 +3455,7 @@
               <a:buChar char=""/>
             </a:pPr>
             <a:r>
-              <a:rPr b="0" lang="en-US" sz="2000" spc="-1" strike="noStrike">
+              <a:rPr b="0" lang="en-US" sz="1800" spc="-1" strike="noStrike">
                 <a:solidFill>
                   <a:srgbClr val="000000"/>
                 </a:solidFill>
@@ -3468,7 +3468,7 @@
               </a:rPr>
               <a:t>Sixth Outline Level</a:t>
             </a:r>
-            <a:endParaRPr b="0" lang="en-US" sz="2000" spc="-1" strike="noStrike">
+            <a:endParaRPr b="0" lang="en-US" sz="1800" spc="-1" strike="noStrike">
               <a:solidFill>
                 <a:srgbClr val="000000"/>
               </a:solidFill>
@@ -3490,7 +3490,7 @@
               <a:buChar char=""/>
             </a:pPr>
             <a:r>
-              <a:rPr b="0" lang="en-US" sz="2000" spc="-1" strike="noStrike">
+              <a:rPr b="0" lang="en-US" sz="1800" spc="-1" strike="noStrike">
                 <a:solidFill>
                   <a:srgbClr val="000000"/>
                 </a:solidFill>
@@ -3503,7 +3503,7 @@
               </a:rPr>
               <a:t>Seventh Outline Level</a:t>
             </a:r>
-            <a:endParaRPr b="0" lang="en-US" sz="2000" spc="-1" strike="noStrike">
+            <a:endParaRPr b="0" lang="en-US" sz="1800" spc="-1" strike="noStrike">
               <a:solidFill>
                 <a:srgbClr val="000000"/>
               </a:solidFill>
@@ -3570,7 +3570,7 @@
         <p:spPr>
           <a:xfrm>
             <a:off x="3240" y="6400800"/>
-            <a:ext cx="12188160" cy="456480"/>
+            <a:ext cx="12187800" cy="456120"/>
           </a:xfrm>
           <a:prstGeom prst="rect">
             <a:avLst/>
@@ -3606,7 +3606,7 @@
         <p:spPr>
           <a:xfrm>
             <a:off x="0" y="6334200"/>
-            <a:ext cx="12188160" cy="63360"/>
+            <a:ext cx="12187800" cy="63000"/>
           </a:xfrm>
           <a:prstGeom prst="rect">
             <a:avLst/>
@@ -4035,7 +4035,7 @@
         <p:spPr>
           <a:xfrm>
             <a:off x="1097280" y="758880"/>
-            <a:ext cx="10057680" cy="3565440"/>
+            <a:ext cx="10057320" cy="3565080"/>
           </a:xfrm>
           <a:prstGeom prst="rect">
             <a:avLst/>
@@ -4060,7 +4060,7 @@
               </a:lnSpc>
             </a:pPr>
             <a:r>
-              <a:rPr b="0" lang="en-US" sz="6000" spc="-46" strike="noStrike">
+              <a:rPr b="0" lang="en-US" sz="6000" spc="-43" strike="noStrike">
                 <a:solidFill>
                   <a:srgbClr val="262626"/>
                 </a:solidFill>
@@ -4070,6 +4070,7 @@
                   </a:solidFill>
                 </a:uFill>
                 <a:latin typeface="Calibri Light"/>
+                <a:ea typeface="DejaVu Sans"/>
               </a:rPr>
               <a:t>Network Assisted Platooning</a:t>
             </a:r>
@@ -4096,7 +4097,7 @@
         <p:spPr>
           <a:xfrm>
             <a:off x="1100160" y="4455720"/>
-            <a:ext cx="10057680" cy="1142280"/>
+            <a:ext cx="10057320" cy="1141920"/>
           </a:xfrm>
           <a:prstGeom prst="rect">
             <a:avLst/>
@@ -4121,7 +4122,7 @@
               </a:lnSpc>
             </a:pPr>
             <a:r>
-              <a:rPr b="0" lang="en-US" sz="2400" spc="197" strike="noStrike" cap="all">
+              <a:rPr b="0" lang="en-US" sz="2400" spc="194" strike="noStrike" cap="all">
                 <a:solidFill>
                   <a:srgbClr val="344068"/>
                 </a:solidFill>
@@ -4131,6 +4132,7 @@
                   </a:solidFill>
                 </a:uFill>
                 <a:latin typeface="Calibri Light"/>
+                <a:ea typeface="DejaVu Sans"/>
               </a:rPr>
               <a:t>Maria, filip, Mikael, Gabriel</a:t>
             </a:r>
@@ -4206,7 +4208,7 @@
         <p:spPr>
           <a:xfrm>
             <a:off x="1097280" y="286560"/>
-            <a:ext cx="10057680" cy="1450080"/>
+            <a:ext cx="10057320" cy="1449720"/>
           </a:xfrm>
           <a:prstGeom prst="rect">
             <a:avLst/>
@@ -4231,7 +4233,7 @@
               </a:lnSpc>
             </a:pPr>
             <a:r>
-              <a:rPr b="0" lang="en-US" sz="4800" spc="-46" strike="noStrike">
+              <a:rPr b="0" lang="en-US" sz="4800" spc="-43" strike="noStrike">
                 <a:solidFill>
                   <a:srgbClr val="404040"/>
                 </a:solidFill>
@@ -4241,6 +4243,7 @@
                   </a:solidFill>
                 </a:uFill>
                 <a:latin typeface="Calibri Light"/>
+                <a:ea typeface="DejaVu Sans"/>
               </a:rPr>
               <a:t>Lessons learned</a:t>
             </a:r>
@@ -4267,7 +4270,7 @@
         <p:spPr>
           <a:xfrm>
             <a:off x="1097280" y="1845720"/>
-            <a:ext cx="10057680" cy="4022640"/>
+            <a:ext cx="10057320" cy="4022280"/>
           </a:xfrm>
           <a:prstGeom prst="rect">
             <a:avLst/>
@@ -4304,7 +4307,7 @@
             </a:endParaRPr>
           </a:p>
           <a:p>
-            <a:pPr marL="91440" indent="-90720">
+            <a:pPr marL="91440" indent="-90360">
               <a:lnSpc>
                 <a:spcPct val="90000"/>
               </a:lnSpc>
@@ -4325,6 +4328,7 @@
                   </a:solidFill>
                 </a:uFill>
                 <a:latin typeface="Calibri"/>
+                <a:ea typeface="DejaVu Sans"/>
               </a:rPr>
               <a:t>Better model of the truck earlier on.</a:t>
             </a:r>
@@ -4359,7 +4363,7 @@
             </a:endParaRPr>
           </a:p>
           <a:p>
-            <a:pPr marL="91440" indent="-90720">
+            <a:pPr marL="91440" indent="-90360">
               <a:lnSpc>
                 <a:spcPct val="90000"/>
               </a:lnSpc>
@@ -4380,6 +4384,7 @@
                   </a:solidFill>
                 </a:uFill>
                 <a:latin typeface="Calibri"/>
+                <a:ea typeface="DejaVu Sans"/>
               </a:rPr>
               <a:t>Looked into other control methods.</a:t>
             </a:r>
@@ -4455,7 +4460,7 @@
         <p:spPr>
           <a:xfrm>
             <a:off x="1097280" y="286560"/>
-            <a:ext cx="10057680" cy="1450080"/>
+            <a:ext cx="10057320" cy="1449720"/>
           </a:xfrm>
           <a:prstGeom prst="rect">
             <a:avLst/>
@@ -4480,7 +4485,7 @@
               </a:lnSpc>
             </a:pPr>
             <a:r>
-              <a:rPr b="0" lang="en-US" sz="4800" spc="-46" strike="noStrike">
+              <a:rPr b="0" lang="en-US" sz="4800" spc="-43" strike="noStrike">
                 <a:solidFill>
                   <a:srgbClr val="404040"/>
                 </a:solidFill>
@@ -4490,6 +4495,7 @@
                   </a:solidFill>
                 </a:uFill>
                 <a:latin typeface="Calibri Light"/>
+                <a:ea typeface="DejaVu Sans"/>
               </a:rPr>
               <a:t>Future</a:t>
             </a:r>
@@ -4516,7 +4522,7 @@
         <p:spPr>
           <a:xfrm>
             <a:off x="1097280" y="1845720"/>
-            <a:ext cx="10057680" cy="4022640"/>
+            <a:ext cx="10057320" cy="4022280"/>
           </a:xfrm>
           <a:prstGeom prst="rect">
             <a:avLst/>
@@ -4553,7 +4559,7 @@
             </a:endParaRPr>
           </a:p>
           <a:p>
-            <a:pPr marL="91440" indent="-90720">
+            <a:pPr marL="91440" indent="-90360">
               <a:lnSpc>
                 <a:spcPct val="90000"/>
               </a:lnSpc>
@@ -4574,6 +4580,7 @@
                   </a:solidFill>
                 </a:uFill>
                 <a:latin typeface="Calibri"/>
+                <a:ea typeface="DejaVu Sans"/>
               </a:rPr>
               <a:t>Amount of autonomous vehicles will increase.</a:t>
             </a:r>
@@ -4590,7 +4597,7 @@
             </a:endParaRPr>
           </a:p>
           <a:p>
-            <a:pPr marL="91440" indent="-90720">
+            <a:pPr marL="91440" indent="-90360">
               <a:lnSpc>
                 <a:spcPct val="90000"/>
               </a:lnSpc>
@@ -4611,6 +4618,7 @@
                   </a:solidFill>
                 </a:uFill>
                 <a:latin typeface="Calibri"/>
+                <a:ea typeface="DejaVu Sans"/>
               </a:rPr>
               <a:t>Advanced communication technologies.</a:t>
             </a:r>
@@ -4659,7 +4667,7 @@
         <p:spPr>
           <a:xfrm>
             <a:off x="5778000" y="2873880"/>
-            <a:ext cx="4236480" cy="2824200"/>
+            <a:ext cx="4236120" cy="2823840"/>
           </a:xfrm>
           <a:prstGeom prst="rect">
             <a:avLst/>
@@ -4727,7 +4735,7 @@
         <p:spPr>
           <a:xfrm>
             <a:off x="1097280" y="286560"/>
-            <a:ext cx="10057680" cy="1450080"/>
+            <a:ext cx="10057320" cy="1449720"/>
           </a:xfrm>
           <a:prstGeom prst="rect">
             <a:avLst/>
@@ -4752,7 +4760,7 @@
               </a:lnSpc>
             </a:pPr>
             <a:r>
-              <a:rPr b="0" lang="en-US" sz="4800" spc="-46" strike="noStrike">
+              <a:rPr b="0" lang="en-US" sz="4800" spc="-43" strike="noStrike">
                 <a:solidFill>
                   <a:srgbClr val="404040"/>
                 </a:solidFill>
@@ -4762,6 +4770,7 @@
                   </a:solidFill>
                 </a:uFill>
                 <a:latin typeface="Calibri Light"/>
+                <a:ea typeface="DejaVu Sans"/>
               </a:rPr>
               <a:t>Imagine no traffic</a:t>
             </a:r>
@@ -4788,7 +4797,7 @@
         <p:spPr>
           <a:xfrm>
             <a:off x="1097280" y="1845720"/>
-            <a:ext cx="10057680" cy="4022640"/>
+            <a:ext cx="10057320" cy="4022280"/>
           </a:xfrm>
           <a:prstGeom prst="rect">
             <a:avLst/>
@@ -4825,7 +4834,7 @@
             </a:endParaRPr>
           </a:p>
           <a:p>
-            <a:pPr marL="91440" indent="-90720">
+            <a:pPr marL="91440" indent="-90360">
               <a:lnSpc>
                 <a:spcPct val="90000"/>
               </a:lnSpc>
@@ -4846,6 +4855,7 @@
                   </a:solidFill>
                 </a:uFill>
                 <a:latin typeface="Calibri"/>
+                <a:ea typeface="DejaVu Sans"/>
               </a:rPr>
               <a:t>Data generated from the vehicles should be analyzed and shared. Why?</a:t>
             </a:r>
@@ -4862,7 +4872,7 @@
             </a:endParaRPr>
           </a:p>
           <a:p>
-            <a:pPr marL="91440" indent="-90720">
+            <a:pPr marL="91440" indent="-90360">
               <a:lnSpc>
                 <a:spcPct val="90000"/>
               </a:lnSpc>
@@ -4883,6 +4893,7 @@
                   </a:solidFill>
                 </a:uFill>
                 <a:latin typeface="Calibri"/>
+                <a:ea typeface="DejaVu Sans"/>
               </a:rPr>
               <a:t>Traffic flow control</a:t>
             </a:r>
@@ -4913,7 +4924,7 @@
         <p:spPr>
           <a:xfrm>
             <a:off x="4533480" y="2943360"/>
-            <a:ext cx="4777560" cy="2689920"/>
+            <a:ext cx="4777200" cy="2689560"/>
           </a:xfrm>
           <a:prstGeom prst="rect">
             <a:avLst/>
@@ -4932,7 +4943,7 @@
         <p:spPr>
           <a:xfrm>
             <a:off x="5259960" y="2952000"/>
-            <a:ext cx="3151800" cy="2672640"/>
+            <a:ext cx="3151440" cy="2672280"/>
           </a:xfrm>
           <a:prstGeom prst="flowChartSummingJunction">
             <a:avLst/>
@@ -5066,7 +5077,7 @@
         <p:spPr>
           <a:xfrm>
             <a:off x="1097280" y="286560"/>
-            <a:ext cx="10057680" cy="1450080"/>
+            <a:ext cx="10057320" cy="1449720"/>
           </a:xfrm>
           <a:prstGeom prst="rect">
             <a:avLst/>
@@ -5091,7 +5102,7 @@
               </a:lnSpc>
             </a:pPr>
             <a:r>
-              <a:rPr b="0" lang="en-US" sz="4800" spc="-46" strike="noStrike">
+              <a:rPr b="0" lang="en-US" sz="4800" spc="-43" strike="noStrike">
                 <a:solidFill>
                   <a:srgbClr val="404040"/>
                 </a:solidFill>
@@ -5101,6 +5112,7 @@
                   </a:solidFill>
                 </a:uFill>
                 <a:latin typeface="Calibri Light"/>
+                <a:ea typeface="DejaVu Sans"/>
               </a:rPr>
               <a:t>Sustainability</a:t>
             </a:r>
@@ -5127,7 +5139,7 @@
         <p:spPr>
           <a:xfrm>
             <a:off x="1097280" y="1845720"/>
-            <a:ext cx="10057680" cy="4022640"/>
+            <a:ext cx="10057320" cy="4022280"/>
           </a:xfrm>
           <a:prstGeom prst="rect">
             <a:avLst/>
@@ -5180,6 +5192,7 @@
                   </a:solidFill>
                 </a:uFill>
                 <a:latin typeface="Calibri"/>
+                <a:ea typeface="DejaVu Sans"/>
               </a:rPr>
               <a:t>Reducing fuel consumption by drafting.</a:t>
             </a:r>
@@ -5229,7 +5242,7 @@
         <p:spPr>
           <a:xfrm>
             <a:off x="2295360" y="3000240"/>
-            <a:ext cx="7079040" cy="2460960"/>
+            <a:ext cx="7078680" cy="2460600"/>
           </a:xfrm>
           <a:prstGeom prst="rect">
             <a:avLst/>
@@ -5297,7 +5310,7 @@
         <p:spPr>
           <a:xfrm>
             <a:off x="1097280" y="286560"/>
-            <a:ext cx="10057680" cy="1450080"/>
+            <a:ext cx="10057320" cy="1449720"/>
           </a:xfrm>
           <a:prstGeom prst="rect">
             <a:avLst/>
@@ -5322,7 +5335,7 @@
               </a:lnSpc>
             </a:pPr>
             <a:r>
-              <a:rPr b="0" lang="en-US" sz="4800" spc="-46" strike="noStrike">
+              <a:rPr b="0" lang="en-US" sz="4800" spc="-43" strike="noStrike">
                 <a:solidFill>
                   <a:srgbClr val="404040"/>
                 </a:solidFill>
@@ -5332,6 +5345,7 @@
                   </a:solidFill>
                 </a:uFill>
                 <a:latin typeface="Calibri Light"/>
+                <a:ea typeface="DejaVu Sans"/>
               </a:rPr>
               <a:t>Centralised control</a:t>
             </a:r>
@@ -5358,7 +5372,7 @@
         <p:spPr>
           <a:xfrm>
             <a:off x="1097280" y="1845720"/>
-            <a:ext cx="10057680" cy="4022640"/>
+            <a:ext cx="10057320" cy="4022280"/>
           </a:xfrm>
           <a:prstGeom prst="rect">
             <a:avLst/>
@@ -5395,7 +5409,7 @@
             </a:endParaRPr>
           </a:p>
           <a:p>
-            <a:pPr marL="91440" indent="-90720">
+            <a:pPr marL="91440" indent="-90360">
               <a:lnSpc>
                 <a:spcPct val="90000"/>
               </a:lnSpc>
@@ -5416,6 +5430,7 @@
                   </a:solidFill>
                 </a:uFill>
                 <a:latin typeface="Calibri"/>
+                <a:ea typeface="DejaVu Sans"/>
               </a:rPr>
               <a:t>Control processes are done locally on the vehicles.</a:t>
             </a:r>
@@ -5432,7 +5447,7 @@
             </a:endParaRPr>
           </a:p>
           <a:p>
-            <a:pPr marL="91440" indent="-90720">
+            <a:pPr marL="91440" indent="-90360">
               <a:lnSpc>
                 <a:spcPct val="90000"/>
               </a:lnSpc>
@@ -5453,6 +5468,7 @@
                   </a:solidFill>
                 </a:uFill>
                 <a:latin typeface="Calibri"/>
+                <a:ea typeface="DejaVu Sans"/>
               </a:rPr>
               <a:t>Power demanding.</a:t>
             </a:r>
@@ -5469,7 +5485,7 @@
             </a:endParaRPr>
           </a:p>
           <a:p>
-            <a:pPr marL="91440" indent="-90720">
+            <a:pPr marL="91440" indent="-90360">
               <a:lnSpc>
                 <a:spcPct val="90000"/>
               </a:lnSpc>
@@ -5490,6 +5506,7 @@
                   </a:solidFill>
                 </a:uFill>
                 <a:latin typeface="Calibri"/>
+                <a:ea typeface="DejaVu Sans"/>
               </a:rPr>
               <a:t>Emerging technologies makes it possible to migrate heavy computations to external servers.</a:t>
             </a:r>
@@ -5506,7 +5523,7 @@
             </a:endParaRPr>
           </a:p>
           <a:p>
-            <a:pPr lvl="1" marL="384120" indent="-182160">
+            <a:pPr lvl="1" marL="384120" indent="-181800">
               <a:lnSpc>
                 <a:spcPct val="100000"/>
               </a:lnSpc>
@@ -5527,6 +5544,7 @@
                   </a:solidFill>
                 </a:uFill>
                 <a:latin typeface="Calibri"/>
+                <a:ea typeface="DejaVu Sans"/>
               </a:rPr>
               <a:t> </a:t>
             </a:r>
@@ -5541,6 +5559,7 @@
                   </a:solidFill>
                 </a:uFill>
                 <a:latin typeface="Calibri"/>
+                <a:ea typeface="DejaVu Sans"/>
               </a:rPr>
               <a:t>Data can hence be analyzed and shared in a wider range. </a:t>
             </a:r>
@@ -5557,7 +5576,7 @@
             </a:endParaRPr>
           </a:p>
           <a:p>
-            <a:pPr lvl="1" marL="384120" indent="-182160">
+            <a:pPr lvl="1" marL="384120" indent="-181800">
               <a:lnSpc>
                 <a:spcPct val="100000"/>
               </a:lnSpc>
@@ -5578,6 +5597,7 @@
                   </a:solidFill>
                 </a:uFill>
                 <a:latin typeface="Calibri"/>
+                <a:ea typeface="DejaVu Sans"/>
               </a:rPr>
               <a:t> </a:t>
             </a:r>
@@ -5592,6 +5612,7 @@
                   </a:solidFill>
                 </a:uFill>
                 <a:latin typeface="Calibri"/>
+                <a:ea typeface="DejaVu Sans"/>
               </a:rPr>
               <a:t>Scalability.</a:t>
             </a:r>
@@ -5608,7 +5629,7 @@
             </a:endParaRPr>
           </a:p>
           <a:p>
-            <a:pPr lvl="1" marL="384120" indent="-182160">
+            <a:pPr lvl="1" marL="384120" indent="-181800">
               <a:lnSpc>
                 <a:spcPct val="100000"/>
               </a:lnSpc>
@@ -5629,6 +5650,7 @@
                   </a:solidFill>
                 </a:uFill>
                 <a:latin typeface="Calibri"/>
+                <a:ea typeface="DejaVu Sans"/>
               </a:rPr>
               <a:t> </a:t>
             </a:r>
@@ -5643,6 +5665,7 @@
                   </a:solidFill>
                 </a:uFill>
                 <a:latin typeface="Calibri"/>
+                <a:ea typeface="DejaVu Sans"/>
               </a:rPr>
               <a:t>Traffic optimisation.</a:t>
             </a:r>
@@ -5772,7 +5795,7 @@
         <p:spPr>
           <a:xfrm>
             <a:off x="1097280" y="286560"/>
-            <a:ext cx="10057680" cy="1450080"/>
+            <a:ext cx="10057320" cy="1449720"/>
           </a:xfrm>
           <a:prstGeom prst="rect">
             <a:avLst/>
@@ -5797,7 +5820,7 @@
               </a:lnSpc>
             </a:pPr>
             <a:r>
-              <a:rPr b="0" lang="en-US" sz="4800" spc="-46" strike="noStrike">
+              <a:rPr b="0" lang="en-US" sz="4800" spc="-43" strike="noStrike">
                 <a:solidFill>
                   <a:srgbClr val="404040"/>
                 </a:solidFill>
@@ -5807,6 +5830,7 @@
                   </a:solidFill>
                 </a:uFill>
                 <a:latin typeface="Calibri Light"/>
+                <a:ea typeface="DejaVu Sans"/>
               </a:rPr>
               <a:t>Project description</a:t>
             </a:r>
@@ -5833,7 +5857,7 @@
         <p:spPr>
           <a:xfrm>
             <a:off x="1097280" y="1845720"/>
-            <a:ext cx="10057680" cy="4022640"/>
+            <a:ext cx="10057320" cy="4022280"/>
           </a:xfrm>
           <a:prstGeom prst="rect">
             <a:avLst/>
@@ -5870,7 +5894,7 @@
             </a:endParaRPr>
           </a:p>
           <a:p>
-            <a:pPr marL="91440" indent="-90720">
+            <a:pPr marL="91440" indent="-90360">
               <a:lnSpc>
                 <a:spcPct val="90000"/>
               </a:lnSpc>
@@ -5891,8 +5915,9 @@
                   </a:solidFill>
                 </a:uFill>
                 <a:latin typeface="Calibri"/>
+                <a:ea typeface="DejaVu Sans"/>
               </a:rPr>
-              <a:t>Platooning with two trucks.</a:t>
+              <a:t>Networked assisted platooning</a:t>
             </a:r>
             <a:endParaRPr b="0" lang="en-US" sz="1800" spc="-1" strike="noStrike">
               <a:solidFill>
@@ -5925,18 +5950,13 @@
             </a:endParaRPr>
           </a:p>
           <a:p>
-            <a:pPr marL="91440" indent="-90720">
+            <a:pPr>
               <a:lnSpc>
-                <a:spcPct val="90000"/>
+                <a:spcPct val="100000"/>
               </a:lnSpc>
-              <a:buClr>
-                <a:srgbClr val="1cade4"/>
-              </a:buClr>
-              <a:buFont typeface="Calibri"/>
-              <a:buChar char=" "/>
             </a:pPr>
             <a:r>
-              <a:rPr b="0" lang="en-US" sz="2000" spc="-1" strike="noStrike">
+              <a:rPr b="0" lang="en-US" sz="1800" spc="-1" strike="noStrike">
                 <a:solidFill>
                   <a:srgbClr val="404040"/>
                 </a:solidFill>
@@ -5946,8 +5966,9 @@
                   </a:solidFill>
                 </a:uFill>
                 <a:latin typeface="Calibri"/>
+                <a:ea typeface="DejaVu Sans"/>
               </a:rPr>
-              <a:t>Generation of paths for the trucks to follow.</a:t>
+              <a:t>- Platooning</a:t>
             </a:r>
             <a:endParaRPr b="0" lang="en-US" sz="1800" spc="-1" strike="noStrike">
               <a:solidFill>
@@ -5962,18 +5983,31 @@
             </a:endParaRPr>
           </a:p>
           <a:p>
-            <a:pPr marL="91440" indent="-90720">
+            <a:pPr>
               <a:lnSpc>
-                <a:spcPct val="90000"/>
+                <a:spcPct val="100000"/>
               </a:lnSpc>
-              <a:buClr>
-                <a:srgbClr val="1cade4"/>
-              </a:buClr>
-              <a:buFont typeface="Calibri"/>
-              <a:buChar char=" "/>
+            </a:pPr>
+            <a:endParaRPr b="0" lang="en-US" sz="1800" spc="-1" strike="noStrike">
+              <a:solidFill>
+                <a:srgbClr val="000000"/>
+              </a:solidFill>
+              <a:uFill>
+                <a:solidFill>
+                  <a:srgbClr val="ffffff"/>
+                </a:solidFill>
+              </a:uFill>
+              <a:latin typeface="Arial"/>
+            </a:endParaRPr>
+          </a:p>
+          <a:p>
+            <a:pPr>
+              <a:lnSpc>
+                <a:spcPct val="100000"/>
+              </a:lnSpc>
             </a:pPr>
             <a:r>
-              <a:rPr b="0" lang="en-US" sz="2000" spc="-1" strike="noStrike">
+              <a:rPr b="0" lang="en-US" sz="1800" spc="-1" strike="noStrike">
                 <a:solidFill>
                   <a:srgbClr val="404040"/>
                 </a:solidFill>
@@ -5983,8 +6017,9 @@
                   </a:solidFill>
                 </a:uFill>
                 <a:latin typeface="Calibri"/>
+                <a:ea typeface="DejaVu Sans"/>
               </a:rPr>
-              <a:t>Controller for the path following.</a:t>
+              <a:t>- Path following</a:t>
             </a:r>
             <a:endParaRPr b="0" lang="en-US" sz="1800" spc="-1" strike="noStrike">
               <a:solidFill>
@@ -5999,18 +6034,31 @@
             </a:endParaRPr>
           </a:p>
           <a:p>
-            <a:pPr marL="91440" indent="-90720">
+            <a:pPr>
               <a:lnSpc>
-                <a:spcPct val="90000"/>
+                <a:spcPct val="100000"/>
               </a:lnSpc>
-              <a:buClr>
-                <a:srgbClr val="1cade4"/>
-              </a:buClr>
-              <a:buFont typeface="Calibri"/>
-              <a:buChar char=" "/>
+            </a:pPr>
+            <a:endParaRPr b="0" lang="en-US" sz="1800" spc="-1" strike="noStrike">
+              <a:solidFill>
+                <a:srgbClr val="000000"/>
+              </a:solidFill>
+              <a:uFill>
+                <a:solidFill>
+                  <a:srgbClr val="ffffff"/>
+                </a:solidFill>
+              </a:uFill>
+              <a:latin typeface="Arial"/>
+            </a:endParaRPr>
+          </a:p>
+          <a:p>
+            <a:pPr>
+              <a:lnSpc>
+                <a:spcPct val="100000"/>
+              </a:lnSpc>
             </a:pPr>
             <a:r>
-              <a:rPr b="0" lang="en-US" sz="2000" spc="-1" strike="noStrike">
+              <a:rPr b="0" lang="en-US" sz="1800" spc="-1" strike="noStrike">
                 <a:solidFill>
                   <a:srgbClr val="404040"/>
                 </a:solidFill>
@@ -6020,8 +6068,9 @@
                   </a:solidFill>
                 </a:uFill>
                 <a:latin typeface="Calibri"/>
+                <a:ea typeface="DejaVu Sans"/>
               </a:rPr>
-              <a:t>Controller for the distance regulation.</a:t>
+              <a:t>- Controller design</a:t>
             </a:r>
             <a:endParaRPr b="0" lang="en-US" sz="1800" spc="-1" strike="noStrike">
               <a:solidFill>
@@ -6050,7 +6099,7 @@
         <p:spPr>
           <a:xfrm>
             <a:off x="7235280" y="2194560"/>
-            <a:ext cx="4011480" cy="2578680"/>
+            <a:ext cx="4011120" cy="2578320"/>
           </a:xfrm>
           <a:prstGeom prst="rect">
             <a:avLst/>
@@ -6118,7 +6167,7 @@
         <p:spPr>
           <a:xfrm>
             <a:off x="1097280" y="286560"/>
-            <a:ext cx="10057680" cy="1450080"/>
+            <a:ext cx="10057320" cy="1449720"/>
           </a:xfrm>
           <a:prstGeom prst="rect">
             <a:avLst/>
@@ -6143,7 +6192,7 @@
               </a:lnSpc>
             </a:pPr>
             <a:r>
-              <a:rPr b="0" lang="en-US" sz="4800" spc="-46" strike="noStrike">
+              <a:rPr b="0" lang="en-US" sz="4800" spc="-43" strike="noStrike">
                 <a:solidFill>
                   <a:srgbClr val="404040"/>
                 </a:solidFill>
@@ -6153,6 +6202,7 @@
                   </a:solidFill>
                 </a:uFill>
                 <a:latin typeface="Calibri Light"/>
+                <a:ea typeface="DejaVu Sans"/>
               </a:rPr>
               <a:t>Communication</a:t>
             </a:r>
@@ -6179,7 +6229,7 @@
         <p:spPr>
           <a:xfrm>
             <a:off x="1097280" y="1845720"/>
-            <a:ext cx="10057680" cy="4022640"/>
+            <a:ext cx="10057320" cy="4022280"/>
           </a:xfrm>
           <a:prstGeom prst="rect">
             <a:avLst/>
@@ -6216,7 +6266,7 @@
             </a:endParaRPr>
           </a:p>
           <a:p>
-            <a:pPr marL="91440" indent="-90720">
+            <a:pPr marL="91440" indent="-90360">
               <a:lnSpc>
                 <a:spcPct val="90000"/>
               </a:lnSpc>
@@ -6237,6 +6287,7 @@
                   </a:solidFill>
                 </a:uFill>
                 <a:latin typeface="Calibri"/>
+                <a:ea typeface="DejaVu Sans"/>
               </a:rPr>
               <a:t>ROS, Wifi.</a:t>
             </a:r>
@@ -6271,7 +6322,7 @@
             </a:endParaRPr>
           </a:p>
           <a:p>
-            <a:pPr lvl="1" marL="384120" indent="-182160">
+            <a:pPr lvl="1" marL="384120" indent="-181800">
               <a:lnSpc>
                 <a:spcPct val="100000"/>
               </a:lnSpc>
@@ -6292,8 +6343,39 @@
                   </a:solidFill>
                 </a:uFill>
                 <a:latin typeface="Calibri"/>
+                <a:ea typeface="DejaVu Sans"/>
               </a:rPr>
-              <a:t>MoCap – publish vehicle position.</a:t>
+              <a:t>MoCap – publish vehicle position</a:t>
+            </a:r>
+            <a:r>
+              <a:rPr b="0" lang="en-US" sz="1800" spc="-1" strike="noStrike">
+                <a:solidFill>
+                  <a:srgbClr val="404040"/>
+                </a:solidFill>
+                <a:uFill>
+                  <a:solidFill>
+                    <a:srgbClr val="ffffff"/>
+                  </a:solidFill>
+                </a:uFill>
+                <a:latin typeface="Calibri"/>
+                <a:ea typeface="DejaVu Sans"/>
+              </a:rPr>
+              <a:t>
+</a:t>
+            </a:r>
+            <a:r>
+              <a:rPr b="0" lang="en-US" sz="1800" spc="-1" strike="noStrike">
+                <a:solidFill>
+                  <a:srgbClr val="404040"/>
+                </a:solidFill>
+                <a:uFill>
+                  <a:solidFill>
+                    <a:srgbClr val="ffffff"/>
+                  </a:solidFill>
+                </a:uFill>
+                <a:latin typeface="Calibri"/>
+              </a:rPr>
+              <a:t> </a:t>
             </a:r>
             <a:endParaRPr b="0" lang="en-US" sz="1800" spc="-1" strike="noStrike">
               <a:solidFill>
@@ -6308,7 +6390,7 @@
             </a:endParaRPr>
           </a:p>
           <a:p>
-            <a:pPr lvl="1" marL="384120" indent="-182160">
+            <a:pPr lvl="1" marL="384120" indent="-181800">
               <a:lnSpc>
                 <a:spcPct val="100000"/>
               </a:lnSpc>
@@ -6329,8 +6411,39 @@
                   </a:solidFill>
                 </a:uFill>
                 <a:latin typeface="Calibri"/>
+                <a:ea typeface="DejaVu Sans"/>
               </a:rPr>
-              <a:t>Controller on computer subscribes.</a:t>
+              <a:t>Controller output is sent through Wifi to Arduino</a:t>
+            </a:r>
+            <a:r>
+              <a:rPr b="0" lang="en-US" sz="1800" spc="-1" strike="noStrike">
+                <a:solidFill>
+                  <a:srgbClr val="404040"/>
+                </a:solidFill>
+                <a:uFill>
+                  <a:solidFill>
+                    <a:srgbClr val="ffffff"/>
+                  </a:solidFill>
+                </a:uFill>
+                <a:latin typeface="Calibri"/>
+                <a:ea typeface="DejaVu Sans"/>
+              </a:rPr>
+              <a:t>
+</a:t>
+            </a:r>
+            <a:r>
+              <a:rPr b="0" lang="en-US" sz="1800" spc="-1" strike="noStrike">
+                <a:solidFill>
+                  <a:srgbClr val="404040"/>
+                </a:solidFill>
+                <a:uFill>
+                  <a:solidFill>
+                    <a:srgbClr val="ffffff"/>
+                  </a:solidFill>
+                </a:uFill>
+                <a:latin typeface="Calibri"/>
+              </a:rPr>
+              <a:t> </a:t>
             </a:r>
             <a:endParaRPr b="0" lang="en-US" sz="1800" spc="-1" strike="noStrike">
               <a:solidFill>
@@ -6345,7 +6458,7 @@
             </a:endParaRPr>
           </a:p>
           <a:p>
-            <a:pPr lvl="1" marL="384120" indent="-182160">
+            <a:pPr lvl="1" marL="384120" indent="-181800">
               <a:lnSpc>
                 <a:spcPct val="100000"/>
               </a:lnSpc>
@@ -6366,8 +6479,47 @@
                   </a:solidFill>
                 </a:uFill>
                 <a:latin typeface="Calibri"/>
+                <a:ea typeface="DejaVu Sans"/>
               </a:rPr>
-              <a:t>Controller output is sent through Wifi to Arduino on truck.</a:t>
+              <a:t>Centralised controller</a:t>
+            </a:r>
+            <a:endParaRPr b="0" lang="en-US" sz="1800" spc="-1" strike="noStrike">
+              <a:solidFill>
+                <a:srgbClr val="000000"/>
+              </a:solidFill>
+              <a:uFill>
+                <a:solidFill>
+                  <a:srgbClr val="ffffff"/>
+                </a:solidFill>
+              </a:uFill>
+              <a:latin typeface="Arial"/>
+            </a:endParaRPr>
+          </a:p>
+          <a:p>
+            <a:pPr lvl="1" marL="384120" indent="-181800">
+              <a:lnSpc>
+                <a:spcPct val="100000"/>
+              </a:lnSpc>
+              <a:buClr>
+                <a:srgbClr val="1cade4"/>
+              </a:buClr>
+              <a:buFont typeface="Calibri"/>
+              <a:buChar char="◦"/>
+            </a:pPr>
+            <a:r>
+              <a:rPr b="0" lang="en-US" sz="1800" spc="-1" strike="noStrike">
+                <a:solidFill>
+                  <a:srgbClr val="404040"/>
+                </a:solidFill>
+                <a:uFill>
+                  <a:solidFill>
+                    <a:srgbClr val="ffffff"/>
+                  </a:solidFill>
+                </a:uFill>
+                <a:latin typeface="Calibri"/>
+                <a:ea typeface="DejaVu Sans"/>
+              </a:rPr>
+              <a:t> </a:t>
             </a:r>
             <a:endParaRPr b="0" lang="en-US" sz="1800" spc="-1" strike="noStrike">
               <a:solidFill>
@@ -6459,7 +6611,7 @@
         <p:spPr>
           <a:xfrm>
             <a:off x="1097280" y="286560"/>
-            <a:ext cx="10057680" cy="1450080"/>
+            <a:ext cx="10057320" cy="1449720"/>
           </a:xfrm>
           <a:prstGeom prst="rect">
             <a:avLst/>
@@ -6484,7 +6636,7 @@
               </a:lnSpc>
             </a:pPr>
             <a:r>
-              <a:rPr b="0" lang="en-US" sz="4800" spc="-46" strike="noStrike">
+              <a:rPr b="0" lang="en-US" sz="4800" spc="-43" strike="noStrike">
                 <a:solidFill>
                   <a:srgbClr val="404040"/>
                 </a:solidFill>
@@ -6494,6 +6646,7 @@
                   </a:solidFill>
                 </a:uFill>
                 <a:latin typeface="Calibri Light"/>
+                <a:ea typeface="DejaVu Sans"/>
               </a:rPr>
               <a:t>Path tracking</a:t>
             </a:r>
@@ -6520,7 +6673,7 @@
         <p:spPr>
           <a:xfrm>
             <a:off x="1097280" y="1845720"/>
-            <a:ext cx="10057680" cy="4022640"/>
+            <a:ext cx="10057320" cy="4022280"/>
           </a:xfrm>
           <a:prstGeom prst="rect">
             <a:avLst/>
@@ -6557,7 +6710,7 @@
             </a:endParaRPr>
           </a:p>
           <a:p>
-            <a:pPr marL="91440" indent="-90720">
+            <a:pPr marL="91440" indent="-90360">
               <a:lnSpc>
                 <a:spcPct val="90000"/>
               </a:lnSpc>
@@ -6578,6 +6731,7 @@
                   </a:solidFill>
                 </a:uFill>
                 <a:latin typeface="Calibri"/>
+                <a:ea typeface="DejaVu Sans"/>
               </a:rPr>
               <a:t>- Frenet frame</a:t>
             </a:r>
@@ -6594,7 +6748,7 @@
             </a:endParaRPr>
           </a:p>
           <a:p>
-            <a:pPr marL="91440" indent="-90720">
+            <a:pPr marL="91440" indent="-90360">
               <a:lnSpc>
                 <a:spcPct val="90000"/>
               </a:lnSpc>
@@ -6615,6 +6769,7 @@
                   </a:solidFill>
                 </a:uFill>
                 <a:latin typeface="Calibri"/>
+                <a:ea typeface="DejaVu Sans"/>
               </a:rPr>
               <a:t> </a:t>
             </a:r>
@@ -6631,7 +6786,7 @@
             </a:endParaRPr>
           </a:p>
           <a:p>
-            <a:pPr marL="91440" indent="-90720">
+            <a:pPr marL="91440" indent="-90360">
               <a:lnSpc>
                 <a:spcPct val="90000"/>
               </a:lnSpc>
@@ -6652,6 +6807,7 @@
                   </a:solidFill>
                 </a:uFill>
                 <a:latin typeface="Calibri"/>
+                <a:ea typeface="DejaVu Sans"/>
               </a:rPr>
               <a:t>- Control orthogonal distance</a:t>
             </a:r>
@@ -6668,7 +6824,7 @@
             </a:endParaRPr>
           </a:p>
           <a:p>
-            <a:pPr marL="91440" indent="-90720">
+            <a:pPr marL="91440" indent="-90360">
               <a:lnSpc>
                 <a:spcPct val="90000"/>
               </a:lnSpc>
@@ -6689,6 +6845,7 @@
                   </a:solidFill>
                 </a:uFill>
                 <a:latin typeface="Calibri"/>
+                <a:ea typeface="DejaVu Sans"/>
               </a:rPr>
               <a:t> </a:t>
             </a:r>
@@ -6721,6 +6878,7 @@
                   </a:solidFill>
                 </a:uFill>
                 <a:latin typeface="Calibri"/>
+                <a:ea typeface="DejaVu Sans"/>
               </a:rPr>
               <a:t> </a:t>
             </a:r>
@@ -6735,6 +6893,7 @@
                   </a:solidFill>
                 </a:uFill>
                 <a:latin typeface="Calibri"/>
+                <a:ea typeface="DejaVu Sans"/>
               </a:rPr>
               <a:t>- Feedback linearization and PID.</a:t>
             </a:r>
@@ -6764,8 +6923,8 @@
         </p:blipFill>
         <p:spPr>
           <a:xfrm rot="12780000">
-            <a:off x="4645440" y="1774080"/>
-            <a:ext cx="6107760" cy="6107760"/>
+            <a:off x="4645440" y="1774440"/>
+            <a:ext cx="6107400" cy="6107400"/>
           </a:xfrm>
           <a:prstGeom prst="rect">
             <a:avLst/>
@@ -6833,7 +6992,7 @@
         <p:spPr>
           <a:xfrm>
             <a:off x="1097280" y="286560"/>
-            <a:ext cx="10057680" cy="1450080"/>
+            <a:ext cx="10057320" cy="1449720"/>
           </a:xfrm>
           <a:prstGeom prst="rect">
             <a:avLst/>
@@ -6858,7 +7017,7 @@
               </a:lnSpc>
             </a:pPr>
             <a:r>
-              <a:rPr b="0" lang="en-US" sz="4800" spc="-46" strike="noStrike">
+              <a:rPr b="0" lang="en-US" sz="4800" spc="-43" strike="noStrike">
                 <a:solidFill>
                   <a:srgbClr val="404040"/>
                 </a:solidFill>
@@ -6868,6 +7027,7 @@
                   </a:solidFill>
                 </a:uFill>
                 <a:latin typeface="Calibri Light"/>
+                <a:ea typeface="DejaVu Sans"/>
               </a:rPr>
               <a:t>PID</a:t>
             </a:r>
@@ -6894,7 +7054,7 @@
         <p:spPr>
           <a:xfrm>
             <a:off x="1097280" y="1845720"/>
-            <a:ext cx="10057680" cy="4022640"/>
+            <a:ext cx="10057320" cy="4022280"/>
           </a:xfrm>
           <a:prstGeom prst="rect">
             <a:avLst/>
@@ -6931,7 +7091,7 @@
             </a:endParaRPr>
           </a:p>
           <a:p>
-            <a:pPr marL="91440" indent="-90720">
+            <a:pPr marL="91440" indent="-90360">
               <a:lnSpc>
                 <a:spcPct val="90000"/>
               </a:lnSpc>
@@ -6952,6 +7112,7 @@
                   </a:solidFill>
                 </a:uFill>
                 <a:latin typeface="Calibri"/>
+                <a:ea typeface="DejaVu Sans"/>
               </a:rPr>
               <a:t>PID control has been implemented for distance regulation as well.</a:t>
             </a:r>
@@ -6968,7 +7129,7 @@
             </a:endParaRPr>
           </a:p>
           <a:p>
-            <a:pPr marL="91440" indent="-90720">
+            <a:pPr marL="91440" indent="-90360">
               <a:lnSpc>
                 <a:spcPct val="90000"/>
               </a:lnSpc>
@@ -6989,6 +7150,7 @@
                   </a:solidFill>
                 </a:uFill>
                 <a:latin typeface="Calibri"/>
+                <a:ea typeface="DejaVu Sans"/>
               </a:rPr>
               <a:t>The error which is minimized is the relative time difference between the trucks.</a:t>
             </a:r>

--- a/Network Assisted Platooning.pptx
+++ b/Network Assisted Platooning.pptx
@@ -4201,7 +4201,7 @@
       </p:grpSpPr>
       <p:sp>
         <p:nvSpPr>
-          <p:cNvPr id="105" name="CustomShape 1"/>
+          <p:cNvPr id="106" name="CustomShape 1"/>
           <p:cNvSpPr/>
           <p:nvPr/>
         </p:nvSpPr>
@@ -4263,7 +4263,7 @@
       </p:sp>
       <p:sp>
         <p:nvSpPr>
-          <p:cNvPr id="106" name="CustomShape 2"/>
+          <p:cNvPr id="107" name="CustomShape 2"/>
           <p:cNvSpPr/>
           <p:nvPr/>
         </p:nvSpPr>
@@ -4407,10 +4407,10 @@
   <p:timing>
     <p:tnLst>
       <p:par>
-        <p:cTn id="23" dur="indefinite" restart="never" nodeType="tmRoot">
+        <p:cTn id="19" dur="indefinite" restart="never" nodeType="tmRoot">
           <p:childTnLst>
             <p:seq>
-              <p:cTn id="24" nodeType="mainSeq"/>
+              <p:cTn id="20" nodeType="mainSeq"/>
               <p:prevCondLst>
                 <p:cond delay="0" evt="onPrev">
                   <p:tgtEl>
@@ -4620,7 +4620,273 @@
                 <a:latin typeface="Calibri"/>
                 <a:ea typeface="DejaVu Sans"/>
               </a:rPr>
+              <a:t> </a:t>
+            </a:r>
+            <a:endParaRPr b="0" lang="en-US" sz="1800" spc="-1" strike="noStrike">
+              <a:solidFill>
+                <a:srgbClr val="000000"/>
+              </a:solidFill>
+              <a:uFill>
+                <a:solidFill>
+                  <a:srgbClr val="ffffff"/>
+                </a:solidFill>
+              </a:uFill>
+              <a:latin typeface="Arial"/>
+            </a:endParaRPr>
+          </a:p>
+          <a:p>
+            <a:pPr marL="91440" indent="-90360">
+              <a:lnSpc>
+                <a:spcPct val="90000"/>
+              </a:lnSpc>
+              <a:buClr>
+                <a:srgbClr val="1cade4"/>
+              </a:buClr>
+              <a:buFont typeface="Calibri"/>
+              <a:buChar char=" "/>
+            </a:pPr>
+            <a:r>
+              <a:rPr b="0" lang="en-US" sz="2000" spc="-1" strike="noStrike">
+                <a:solidFill>
+                  <a:srgbClr val="404040"/>
+                </a:solidFill>
+                <a:uFill>
+                  <a:solidFill>
+                    <a:srgbClr val="ffffff"/>
+                  </a:solidFill>
+                </a:uFill>
+                <a:latin typeface="Calibri"/>
+                <a:ea typeface="DejaVu Sans"/>
+              </a:rPr>
               <a:t>Advanced communication technologies.</a:t>
+            </a:r>
+            <a:endParaRPr b="0" lang="en-US" sz="1800" spc="-1" strike="noStrike">
+              <a:solidFill>
+                <a:srgbClr val="000000"/>
+              </a:solidFill>
+              <a:uFill>
+                <a:solidFill>
+                  <a:srgbClr val="ffffff"/>
+                </a:solidFill>
+              </a:uFill>
+              <a:latin typeface="Arial"/>
+            </a:endParaRPr>
+          </a:p>
+          <a:p>
+            <a:pPr marL="91440" indent="-90360">
+              <a:lnSpc>
+                <a:spcPct val="90000"/>
+              </a:lnSpc>
+              <a:buClr>
+                <a:srgbClr val="1cade4"/>
+              </a:buClr>
+              <a:buFont typeface="Calibri"/>
+              <a:buChar char=" "/>
+            </a:pPr>
+            <a:r>
+              <a:rPr b="0" lang="en-US" sz="2000" spc="-1" strike="noStrike">
+                <a:solidFill>
+                  <a:srgbClr val="404040"/>
+                </a:solidFill>
+                <a:uFill>
+                  <a:solidFill>
+                    <a:srgbClr val="ffffff"/>
+                  </a:solidFill>
+                </a:uFill>
+                <a:latin typeface="Calibri"/>
+                <a:ea typeface="DejaVu Sans"/>
+              </a:rPr>
+              <a:t> </a:t>
+            </a:r>
+            <a:endParaRPr b="0" lang="en-US" sz="1800" spc="-1" strike="noStrike">
+              <a:solidFill>
+                <a:srgbClr val="000000"/>
+              </a:solidFill>
+              <a:uFill>
+                <a:solidFill>
+                  <a:srgbClr val="ffffff"/>
+                </a:solidFill>
+              </a:uFill>
+              <a:latin typeface="Arial"/>
+            </a:endParaRPr>
+          </a:p>
+          <a:p>
+            <a:pPr marL="91440" indent="-90360">
+              <a:lnSpc>
+                <a:spcPct val="90000"/>
+              </a:lnSpc>
+              <a:buClr>
+                <a:srgbClr val="1cade4"/>
+              </a:buClr>
+              <a:buFont typeface="Calibri"/>
+              <a:buChar char=" "/>
+            </a:pPr>
+            <a:r>
+              <a:rPr b="0" lang="en-US" sz="2000" spc="-1" strike="noStrike">
+                <a:solidFill>
+                  <a:srgbClr val="404040"/>
+                </a:solidFill>
+                <a:uFill>
+                  <a:solidFill>
+                    <a:srgbClr val="ffffff"/>
+                  </a:solidFill>
+                </a:uFill>
+                <a:latin typeface="Calibri"/>
+                <a:ea typeface="DejaVu Sans"/>
+              </a:rPr>
+              <a:t>Imagine no traffic.</a:t>
+            </a:r>
+            <a:endParaRPr b="0" lang="en-US" sz="1800" spc="-1" strike="noStrike">
+              <a:solidFill>
+                <a:srgbClr val="000000"/>
+              </a:solidFill>
+              <a:uFill>
+                <a:solidFill>
+                  <a:srgbClr val="ffffff"/>
+                </a:solidFill>
+              </a:uFill>
+              <a:latin typeface="Arial"/>
+            </a:endParaRPr>
+          </a:p>
+          <a:p>
+            <a:pPr marL="91440" indent="-90360">
+              <a:lnSpc>
+                <a:spcPct val="90000"/>
+              </a:lnSpc>
+              <a:buClr>
+                <a:srgbClr val="1cade4"/>
+              </a:buClr>
+              <a:buFont typeface="Calibri"/>
+              <a:buChar char=" "/>
+            </a:pPr>
+            <a:r>
+              <a:rPr b="0" lang="en-US" sz="2000" spc="-1" strike="noStrike">
+                <a:solidFill>
+                  <a:srgbClr val="404040"/>
+                </a:solidFill>
+                <a:uFill>
+                  <a:solidFill>
+                    <a:srgbClr val="ffffff"/>
+                  </a:solidFill>
+                </a:uFill>
+                <a:latin typeface="Calibri"/>
+                <a:ea typeface="DejaVu Sans"/>
+              </a:rPr>
+              <a:t> </a:t>
+            </a:r>
+            <a:endParaRPr b="0" lang="en-US" sz="1800" spc="-1" strike="noStrike">
+              <a:solidFill>
+                <a:srgbClr val="000000"/>
+              </a:solidFill>
+              <a:uFill>
+                <a:solidFill>
+                  <a:srgbClr val="ffffff"/>
+                </a:solidFill>
+              </a:uFill>
+              <a:latin typeface="Arial"/>
+            </a:endParaRPr>
+          </a:p>
+          <a:p>
+            <a:pPr marL="91440" indent="-90360">
+              <a:lnSpc>
+                <a:spcPct val="90000"/>
+              </a:lnSpc>
+              <a:buClr>
+                <a:srgbClr val="1cade4"/>
+              </a:buClr>
+              <a:buFont typeface="Calibri"/>
+              <a:buChar char=" "/>
+            </a:pPr>
+            <a:r>
+              <a:rPr b="0" lang="en-US" sz="2000" spc="-1" strike="noStrike">
+                <a:solidFill>
+                  <a:srgbClr val="404040"/>
+                </a:solidFill>
+                <a:uFill>
+                  <a:solidFill>
+                    <a:srgbClr val="ffffff"/>
+                  </a:solidFill>
+                </a:uFill>
+                <a:latin typeface="Calibri"/>
+                <a:ea typeface="DejaVu Sans"/>
+              </a:rPr>
+              <a:t> </a:t>
+            </a:r>
+            <a:endParaRPr b="0" lang="en-US" sz="1800" spc="-1" strike="noStrike">
+              <a:solidFill>
+                <a:srgbClr val="000000"/>
+              </a:solidFill>
+              <a:uFill>
+                <a:solidFill>
+                  <a:srgbClr val="ffffff"/>
+                </a:solidFill>
+              </a:uFill>
+              <a:latin typeface="Arial"/>
+            </a:endParaRPr>
+          </a:p>
+          <a:p>
+            <a:pPr marL="91440" indent="-90360">
+              <a:lnSpc>
+                <a:spcPct val="90000"/>
+              </a:lnSpc>
+              <a:buClr>
+                <a:srgbClr val="1cade4"/>
+              </a:buClr>
+              <a:buFont typeface="Calibri"/>
+              <a:buChar char=" "/>
+            </a:pPr>
+            <a:r>
+              <a:rPr b="0" lang="en-US" sz="2000" spc="-1" strike="noStrike">
+                <a:solidFill>
+                  <a:srgbClr val="404040"/>
+                </a:solidFill>
+                <a:uFill>
+                  <a:solidFill>
+                    <a:srgbClr val="ffffff"/>
+                  </a:solidFill>
+                </a:uFill>
+                <a:latin typeface="Calibri"/>
+                <a:ea typeface="DejaVu Sans"/>
+              </a:rPr>
+              <a:t> </a:t>
+            </a:r>
+            <a:endParaRPr b="0" lang="en-US" sz="1800" spc="-1" strike="noStrike">
+              <a:solidFill>
+                <a:srgbClr val="000000"/>
+              </a:solidFill>
+              <a:uFill>
+                <a:solidFill>
+                  <a:srgbClr val="ffffff"/>
+                </a:solidFill>
+              </a:uFill>
+              <a:latin typeface="Arial"/>
+            </a:endParaRPr>
+          </a:p>
+          <a:p>
+            <a:pPr marL="91440" indent="-90360">
+              <a:lnSpc>
+                <a:spcPct val="90000"/>
+              </a:lnSpc>
+              <a:buClr>
+                <a:srgbClr val="1cade4"/>
+              </a:buClr>
+              <a:buFont typeface="Calibri"/>
+              <a:buChar char=" "/>
+            </a:pPr>
+            <a:r>
+              <a:rPr b="0" lang="en-US" sz="2000" spc="-1" strike="noStrike">
+                <a:solidFill>
+                  <a:srgbClr val="404040"/>
+                </a:solidFill>
+                <a:uFill>
+                  <a:solidFill>
+                    <a:srgbClr val="ffffff"/>
+                  </a:solidFill>
+                </a:uFill>
+                <a:latin typeface="Calibri"/>
+                <a:ea typeface="DejaVu Sans"/>
+              </a:rPr>
+              <a:t> </a:t>
             </a:r>
             <a:endParaRPr b="0" lang="en-US" sz="1800" spc="-1" strike="noStrike">
               <a:solidFill>
@@ -4656,7 +4922,7 @@
       </p:sp>
       <p:pic>
         <p:nvPicPr>
-          <p:cNvPr id="85" name="Picture 4" descr=""/>
+          <p:cNvPr id="85" name="Picture 5" descr=""/>
           <p:cNvPicPr/>
           <p:nvPr/>
         </p:nvPicPr>
@@ -4666,8 +4932,8 @@
         </p:blipFill>
         <p:spPr>
           <a:xfrm>
-            <a:off x="5778000" y="2873880"/>
-            <a:ext cx="4236120" cy="2823840"/>
+            <a:off x="6561360" y="3071160"/>
+            <a:ext cx="4777200" cy="2689560"/>
           </a:xfrm>
           <a:prstGeom prst="rect">
             <a:avLst/>
@@ -4677,6 +4943,43 @@
           </a:ln>
         </p:spPr>
       </p:pic>
+      <p:sp>
+        <p:nvSpPr>
+          <p:cNvPr id="86" name="CustomShape 3"/>
+          <p:cNvSpPr/>
+          <p:nvPr/>
+        </p:nvSpPr>
+        <p:spPr>
+          <a:xfrm>
+            <a:off x="7315200" y="3071160"/>
+            <a:ext cx="3151440" cy="2672280"/>
+          </a:xfrm>
+          <a:prstGeom prst="flowChartSummingJunction">
+            <a:avLst/>
+          </a:prstGeom>
+          <a:noFill/>
+          <a:ln w="266760">
+            <a:solidFill>
+              <a:srgbClr val="ff0000"/>
+            </a:solidFill>
+            <a:round/>
+          </a:ln>
+        </p:spPr>
+        <p:style>
+          <a:lnRef idx="2">
+            <a:schemeClr val="accent1">
+              <a:shade val="50000"/>
+            </a:schemeClr>
+          </a:lnRef>
+          <a:fillRef idx="1">
+            <a:schemeClr val="accent1"/>
+          </a:fillRef>
+          <a:effectRef idx="0">
+            <a:schemeClr val="accent1"/>
+          </a:effectRef>
+          <a:fontRef idx="minor"/>
+        </p:style>
+      </p:sp>
     </p:spTree>
   </p:cSld>
   <p:timing>
@@ -4728,7 +5031,7 @@
       </p:grpSpPr>
       <p:sp>
         <p:nvSpPr>
-          <p:cNvPr id="86" name="CustomShape 1"/>
+          <p:cNvPr id="87" name="CustomShape 1"/>
           <p:cNvSpPr/>
           <p:nvPr/>
         </p:nvSpPr>
@@ -4751,46 +5054,10 @@
           <a:effectRef idx="0"/>
           <a:fontRef idx="minor"/>
         </p:style>
-        <p:txBody>
-          <a:bodyPr lIns="90000" rIns="90000" tIns="45000" bIns="45000" anchor="b"/>
-          <a:p>
-            <a:pPr>
-              <a:lnSpc>
-                <a:spcPct val="85000"/>
-              </a:lnSpc>
-            </a:pPr>
-            <a:r>
-              <a:rPr b="0" lang="en-US" sz="4800" spc="-43" strike="noStrike">
-                <a:solidFill>
-                  <a:srgbClr val="404040"/>
-                </a:solidFill>
-                <a:uFill>
-                  <a:solidFill>
-                    <a:srgbClr val="ffffff"/>
-                  </a:solidFill>
-                </a:uFill>
-                <a:latin typeface="Calibri Light"/>
-                <a:ea typeface="DejaVu Sans"/>
-              </a:rPr>
-              <a:t>Imagine no traffic</a:t>
-            </a:r>
-            <a:endParaRPr b="0" lang="en-US" sz="1800" spc="-1" strike="noStrike">
-              <a:solidFill>
-                <a:srgbClr val="000000"/>
-              </a:solidFill>
-              <a:uFill>
-                <a:solidFill>
-                  <a:srgbClr val="ffffff"/>
-                </a:solidFill>
-              </a:uFill>
-              <a:latin typeface="Arial"/>
-            </a:endParaRPr>
-          </a:p>
-        </p:txBody>
-      </p:sp>
-      <p:sp>
-        <p:nvSpPr>
-          <p:cNvPr id="87" name="CustomShape 2"/>
+      </p:sp>
+      <p:sp>
+        <p:nvSpPr>
+          <p:cNvPr id="88" name="CustomShape 2"/>
           <p:cNvSpPr/>
           <p:nvPr/>
         </p:nvSpPr>
@@ -4909,11 +5176,190 @@
               <a:latin typeface="Arial"/>
             </a:endParaRPr>
           </a:p>
+          <a:p>
+            <a:pPr marL="91440" indent="-90360">
+              <a:lnSpc>
+                <a:spcPct val="90000"/>
+              </a:lnSpc>
+              <a:buClr>
+                <a:srgbClr val="1cade4"/>
+              </a:buClr>
+              <a:buFont typeface="Calibri"/>
+              <a:buChar char=" "/>
+            </a:pPr>
+            <a:r>
+              <a:rPr b="1" lang="en-US" sz="2000" spc="-1" strike="noStrike">
+                <a:solidFill>
+                  <a:srgbClr val="404040"/>
+                </a:solidFill>
+                <a:uFill>
+                  <a:solidFill>
+                    <a:srgbClr val="ffffff"/>
+                  </a:solidFill>
+                </a:uFill>
+                <a:latin typeface="Calibri"/>
+                <a:ea typeface="DejaVu Sans"/>
+              </a:rPr>
+              <a:t> </a:t>
+            </a:r>
+            <a:endParaRPr b="0" lang="en-US" sz="1800" spc="-1" strike="noStrike">
+              <a:solidFill>
+                <a:srgbClr val="000000"/>
+              </a:solidFill>
+              <a:uFill>
+                <a:solidFill>
+                  <a:srgbClr val="ffffff"/>
+                </a:solidFill>
+              </a:uFill>
+              <a:latin typeface="Arial"/>
+            </a:endParaRPr>
+          </a:p>
+          <a:p>
+            <a:pPr>
+              <a:lnSpc>
+                <a:spcPct val="90000"/>
+              </a:lnSpc>
+            </a:pPr>
+            <a:r>
+              <a:rPr b="0" lang="en-US" sz="2000" spc="-1" strike="noStrike">
+                <a:solidFill>
+                  <a:srgbClr val="404040"/>
+                </a:solidFill>
+                <a:uFill>
+                  <a:solidFill>
+                    <a:srgbClr val="ffffff"/>
+                  </a:solidFill>
+                </a:uFill>
+                <a:latin typeface="Calibri"/>
+                <a:ea typeface="DejaVu Sans"/>
+              </a:rPr>
+              <a:t>Present:</a:t>
+            </a:r>
+            <a:endParaRPr b="0" lang="en-US" sz="1800" spc="-1" strike="noStrike">
+              <a:solidFill>
+                <a:srgbClr val="000000"/>
+              </a:solidFill>
+              <a:uFill>
+                <a:solidFill>
+                  <a:srgbClr val="ffffff"/>
+                </a:solidFill>
+              </a:uFill>
+              <a:latin typeface="Arial"/>
+            </a:endParaRPr>
+          </a:p>
+          <a:p>
+            <a:pPr lvl="1" marL="432000" indent="-216000">
+              <a:lnSpc>
+                <a:spcPct val="90000"/>
+              </a:lnSpc>
+              <a:buClr>
+                <a:srgbClr val="000000"/>
+              </a:buClr>
+              <a:buSzPct val="45000"/>
+              <a:buFont typeface="Wingdings" charset="2"/>
+              <a:buChar char=""/>
+            </a:pPr>
+            <a:r>
+              <a:rPr b="0" lang="en-US" sz="2000" spc="-1" strike="noStrike">
+                <a:solidFill>
+                  <a:srgbClr val="404040"/>
+                </a:solidFill>
+                <a:uFill>
+                  <a:solidFill>
+                    <a:srgbClr val="ffffff"/>
+                  </a:solidFill>
+                </a:uFill>
+                <a:latin typeface="Calibri"/>
+                <a:ea typeface="DejaVu Sans"/>
+              </a:rPr>
+              <a:t>Sensors (Radar, Lidar, Stereo Cameras)</a:t>
+            </a:r>
+            <a:endParaRPr b="0" lang="en-US" sz="1800" spc="-1" strike="noStrike">
+              <a:solidFill>
+                <a:srgbClr val="000000"/>
+              </a:solidFill>
+              <a:uFill>
+                <a:solidFill>
+                  <a:srgbClr val="ffffff"/>
+                </a:solidFill>
+              </a:uFill>
+              <a:latin typeface="Arial"/>
+            </a:endParaRPr>
+          </a:p>
+          <a:p>
+            <a:pPr lvl="1" marL="432000" indent="-216000">
+              <a:lnSpc>
+                <a:spcPct val="90000"/>
+              </a:lnSpc>
+              <a:buClr>
+                <a:srgbClr val="000000"/>
+              </a:buClr>
+              <a:buSzPct val="45000"/>
+              <a:buFont typeface="Wingdings" charset="2"/>
+              <a:buChar char=""/>
+            </a:pPr>
+            <a:r>
+              <a:rPr b="0" lang="en-US" sz="2000" spc="-1" strike="noStrike">
+                <a:solidFill>
+                  <a:srgbClr val="404040"/>
+                </a:solidFill>
+                <a:uFill>
+                  <a:solidFill>
+                    <a:srgbClr val="ffffff"/>
+                  </a:solidFill>
+                </a:uFill>
+                <a:latin typeface="Calibri"/>
+                <a:ea typeface="DejaVu Sans"/>
+              </a:rPr>
+              <a:t>Data used to communicate </a:t>
+            </a:r>
+            <a:r>
+              <a:rPr b="1" lang="en-US" sz="2000" spc="-1" strike="noStrike">
+                <a:solidFill>
+                  <a:srgbClr val="404040"/>
+                </a:solidFill>
+                <a:uFill>
+                  <a:solidFill>
+                    <a:srgbClr val="ffffff"/>
+                  </a:solidFill>
+                </a:uFill>
+                <a:latin typeface="Calibri"/>
+                <a:ea typeface="DejaVu Sans"/>
+              </a:rPr>
+              <a:t>locally</a:t>
+            </a:r>
+            <a:r>
+              <a:rPr b="0" lang="en-US" sz="2000" spc="-1" strike="noStrike">
+                <a:solidFill>
+                  <a:srgbClr val="404040"/>
+                </a:solidFill>
+                <a:uFill>
+                  <a:solidFill>
+                    <a:srgbClr val="ffffff"/>
+                  </a:solidFill>
+                </a:uFill>
+                <a:latin typeface="Calibri"/>
+                <a:ea typeface="DejaVu Sans"/>
+              </a:rPr>
+              <a:t>.</a:t>
+            </a:r>
+            <a:endParaRPr b="0" lang="en-US" sz="1800" spc="-1" strike="noStrike">
+              <a:solidFill>
+                <a:srgbClr val="000000"/>
+              </a:solidFill>
+              <a:uFill>
+                <a:solidFill>
+                  <a:srgbClr val="ffffff"/>
+                </a:solidFill>
+              </a:uFill>
+              <a:latin typeface="Arial"/>
+            </a:endParaRPr>
+          </a:p>
         </p:txBody>
       </p:sp>
       <p:pic>
         <p:nvPicPr>
-          <p:cNvPr id="88" name="Picture 5" descr=""/>
+          <p:cNvPr id="89" name="Picture 4" descr=""/>
           <p:cNvPicPr/>
           <p:nvPr/>
         </p:nvPicPr>
@@ -4923,8 +5369,8 @@
         </p:blipFill>
         <p:spPr>
           <a:xfrm>
-            <a:off x="4533480" y="2943360"/>
-            <a:ext cx="4777200" cy="2689560"/>
+            <a:off x="7223760" y="3108960"/>
+            <a:ext cx="4236120" cy="2823840"/>
           </a:xfrm>
           <a:prstGeom prst="rect">
             <a:avLst/>
@@ -4936,40 +5382,59 @@
       </p:pic>
       <p:sp>
         <p:nvSpPr>
-          <p:cNvPr id="89" name="CustomShape 3"/>
-          <p:cNvSpPr/>
+          <p:cNvPr id="90" name="TextShape 3"/>
+          <p:cNvSpPr txBox="1"/>
           <p:nvPr/>
         </p:nvSpPr>
         <p:spPr>
           <a:xfrm>
-            <a:off x="5259960" y="2952000"/>
-            <a:ext cx="3151440" cy="2672280"/>
-          </a:xfrm>
-          <a:prstGeom prst="flowChartSummingJunction">
+            <a:off x="914400" y="914400"/>
+            <a:ext cx="4206240" cy="2003760"/>
+          </a:xfrm>
+          <a:prstGeom prst="rect">
             <a:avLst/>
           </a:prstGeom>
           <a:noFill/>
-          <a:ln w="380880">
-            <a:solidFill>
-              <a:srgbClr val="ff0000"/>
-            </a:solidFill>
-            <a:round/>
+          <a:ln>
+            <a:noFill/>
           </a:ln>
         </p:spPr>
-        <p:style>
-          <a:lnRef idx="2">
-            <a:schemeClr val="accent1">
-              <a:shade val="50000"/>
-            </a:schemeClr>
-          </a:lnRef>
-          <a:fillRef idx="1">
-            <a:schemeClr val="accent1"/>
-          </a:fillRef>
-          <a:effectRef idx="0">
-            <a:schemeClr val="accent1"/>
-          </a:effectRef>
-          <a:fontRef idx="minor"/>
-        </p:style>
+        <p:txBody>
+          <a:bodyPr lIns="90000" rIns="90000" tIns="45000" bIns="45000"/>
+          <a:p>
+            <a:pPr>
+              <a:lnSpc>
+                <a:spcPct val="85000"/>
+              </a:lnSpc>
+            </a:pPr>
+            <a:r>
+              <a:rPr b="0" lang="en-US" sz="4800" spc="-43" strike="noStrike">
+                <a:solidFill>
+                  <a:srgbClr val="404040"/>
+                </a:solidFill>
+                <a:uFill>
+                  <a:solidFill>
+                    <a:srgbClr val="ffffff"/>
+                  </a:solidFill>
+                </a:uFill>
+                <a:latin typeface="Calibri Light"/>
+                <a:ea typeface="DejaVu Sans"/>
+              </a:rPr>
+              <a:t>Sharing data</a:t>
+            </a:r>
+            <a:endParaRPr b="0" lang="en-US" sz="1800" spc="-1" strike="noStrike">
+              <a:solidFill>
+                <a:srgbClr val="000000"/>
+              </a:solidFill>
+              <a:uFill>
+                <a:solidFill>
+                  <a:srgbClr val="ffffff"/>
+                </a:solidFill>
+              </a:uFill>
+              <a:latin typeface="Arial"/>
+            </a:endParaRPr>
+          </a:p>
+        </p:txBody>
       </p:sp>
     </p:spTree>
   </p:cSld>
@@ -4979,55 +5444,7 @@
         <p:cTn id="5" dur="indefinite" restart="never" nodeType="tmRoot">
           <p:childTnLst>
             <p:seq>
-              <p:cTn id="6" dur="indefinite" nodeType="mainSeq">
-                <p:childTnLst>
-                  <p:par>
-                    <p:cTn id="7" fill="hold">
-                      <p:stCondLst>
-                        <p:cond delay="indefinite"/>
-                      </p:stCondLst>
-                      <p:childTnLst>
-                        <p:par>
-                          <p:cTn id="8" fill="hold">
-                            <p:stCondLst>
-                              <p:cond delay="0"/>
-                            </p:stCondLst>
-                            <p:childTnLst>
-                              <p:par>
-                                <p:cTn id="9" nodeType="clickEffect" fill="hold" presetClass="entr" presetID="1">
-                                  <p:stCondLst>
-                                    <p:cond delay="0"/>
-                                  </p:stCondLst>
-                                  <p:childTnLst>
-                                    <p:set>
-                                      <p:cBhvr>
-                                        <p:cTn id="10" dur="1" fill="hold">
-                                          <p:stCondLst>
-                                            <p:cond delay="0"/>
-                                          </p:stCondLst>
-                                        </p:cTn>
-                                        <p:tgtEl>
-                                          <p:spTgt spid="89"/>
-                                        </p:tgtEl>
-                                        <p:attrNameLst>
-                                          <p:attrName>style.visibility</p:attrName>
-                                        </p:attrNameLst>
-                                      </p:cBhvr>
-                                      <p:to>
-                                        <p:strVal val="visible"/>
-                                      </p:to>
-                                    </p:set>
-                                  </p:childTnLst>
-                                </p:cTn>
-                              </p:par>
-                            </p:childTnLst>
-                          </p:cTn>
-                        </p:par>
-                      </p:childTnLst>
-                    </p:cTn>
-                  </p:par>
-                </p:childTnLst>
-              </p:cTn>
+              <p:cTn id="6" nodeType="mainSeq"/>
               <p:prevCondLst>
                 <p:cond delay="0" evt="onPrev">
                   <p:tgtEl>
@@ -5070,7 +5487,7 @@
       </p:grpSpPr>
       <p:sp>
         <p:nvSpPr>
-          <p:cNvPr id="90" name="CustomShape 1"/>
+          <p:cNvPr id="91" name="CustomShape 1"/>
           <p:cNvSpPr/>
           <p:nvPr/>
         </p:nvSpPr>
@@ -5114,7 +5531,7 @@
                 <a:latin typeface="Calibri Light"/>
                 <a:ea typeface="DejaVu Sans"/>
               </a:rPr>
-              <a:t>Sustainability</a:t>
+              <a:t>Centralised control</a:t>
             </a:r>
             <a:endParaRPr b="0" lang="en-US" sz="1800" spc="-1" strike="noStrike">
               <a:solidFill>
@@ -5132,7 +5549,7 @@
       </p:sp>
       <p:sp>
         <p:nvSpPr>
-          <p:cNvPr id="91" name="CustomShape 2"/>
+          <p:cNvPr id="92" name="CustomShape 2"/>
           <p:cNvSpPr/>
           <p:nvPr/>
         </p:nvSpPr>
@@ -5176,10 +5593,15 @@
             </a:endParaRPr>
           </a:p>
           <a:p>
-            <a:pPr>
+            <a:pPr marL="91440" indent="-90360">
               <a:lnSpc>
-                <a:spcPct val="100000"/>
+                <a:spcPct val="90000"/>
               </a:lnSpc>
+              <a:buClr>
+                <a:srgbClr val="1cade4"/>
+              </a:buClr>
+              <a:buFont typeface="Calibri"/>
+              <a:buChar char=" "/>
             </a:pPr>
             <a:r>
               <a:rPr b="0" lang="en-US" sz="2000" spc="-1" strike="noStrike">
@@ -5194,7 +5616,7 @@
                 <a:latin typeface="Calibri"/>
                 <a:ea typeface="DejaVu Sans"/>
               </a:rPr>
-              <a:t>Reducing fuel consumption by drafting.</a:t>
+              <a:t>Control processes are done locally on the vehicles.</a:t>
             </a:r>
             <a:endParaRPr b="0" lang="en-US" sz="1800" spc="-1" strike="noStrike">
               <a:solidFill>
@@ -5209,58 +5631,305 @@
             </a:endParaRPr>
           </a:p>
           <a:p>
-            <a:pPr>
+            <a:pPr marL="91440" indent="-90360">
               <a:lnSpc>
                 <a:spcPct val="90000"/>
               </a:lnSpc>
-            </a:pPr>
-            <a:endParaRPr b="0" lang="en-US" sz="1800" spc="-1" strike="noStrike">
-              <a:solidFill>
-                <a:srgbClr val="000000"/>
-              </a:solidFill>
-              <a:uFill>
-                <a:solidFill>
-                  <a:srgbClr val="ffffff"/>
-                </a:solidFill>
-              </a:uFill>
-              <a:latin typeface="Arial"/>
-            </a:endParaRPr>
-          </a:p>
-        </p:txBody>
-      </p:sp>
-      <p:pic>
-        <p:nvPicPr>
-          <p:cNvPr id="92" name="Picture 2" descr=""/>
-          <p:cNvPicPr/>
-          <p:nvPr/>
-        </p:nvPicPr>
-        <p:blipFill>
-          <a:blip r:embed="rId1"/>
-          <a:srcRect l="3685" t="21855" r="11137" b="7290"/>
-          <a:stretch/>
-        </p:blipFill>
-        <p:spPr>
-          <a:xfrm>
-            <a:off x="2295360" y="3000240"/>
-            <a:ext cx="7078680" cy="2460600"/>
-          </a:xfrm>
-          <a:prstGeom prst="rect">
-            <a:avLst/>
-          </a:prstGeom>
-          <a:ln>
-            <a:noFill/>
-          </a:ln>
-        </p:spPr>
-      </p:pic>
+              <a:buClr>
+                <a:srgbClr val="1cade4"/>
+              </a:buClr>
+              <a:buFont typeface="Calibri"/>
+              <a:buChar char=" "/>
+            </a:pPr>
+            <a:r>
+              <a:rPr b="0" lang="en-US" sz="2000" spc="-1" strike="noStrike">
+                <a:solidFill>
+                  <a:srgbClr val="404040"/>
+                </a:solidFill>
+                <a:uFill>
+                  <a:solidFill>
+                    <a:srgbClr val="ffffff"/>
+                  </a:solidFill>
+                </a:uFill>
+                <a:latin typeface="Calibri"/>
+                <a:ea typeface="DejaVu Sans"/>
+              </a:rPr>
+              <a:t>Power demanding.</a:t>
+            </a:r>
+            <a:endParaRPr b="0" lang="en-US" sz="1800" spc="-1" strike="noStrike">
+              <a:solidFill>
+                <a:srgbClr val="000000"/>
+              </a:solidFill>
+              <a:uFill>
+                <a:solidFill>
+                  <a:srgbClr val="ffffff"/>
+                </a:solidFill>
+              </a:uFill>
+              <a:latin typeface="Arial"/>
+            </a:endParaRPr>
+          </a:p>
+          <a:p>
+            <a:pPr marL="91440" indent="-90360">
+              <a:lnSpc>
+                <a:spcPct val="90000"/>
+              </a:lnSpc>
+              <a:buClr>
+                <a:srgbClr val="1cade4"/>
+              </a:buClr>
+              <a:buFont typeface="Calibri"/>
+              <a:buChar char=" "/>
+            </a:pPr>
+            <a:r>
+              <a:rPr b="0" lang="en-US" sz="2000" spc="-1" strike="noStrike">
+                <a:solidFill>
+                  <a:srgbClr val="404040"/>
+                </a:solidFill>
+                <a:uFill>
+                  <a:solidFill>
+                    <a:srgbClr val="ffffff"/>
+                  </a:solidFill>
+                </a:uFill>
+                <a:latin typeface="Calibri"/>
+                <a:ea typeface="DejaVu Sans"/>
+              </a:rPr>
+              <a:t>Emerging technologies makes it possible to migrate heavy computations to external servers.</a:t>
+            </a:r>
+            <a:endParaRPr b="0" lang="en-US" sz="1800" spc="-1" strike="noStrike">
+              <a:solidFill>
+                <a:srgbClr val="000000"/>
+              </a:solidFill>
+              <a:uFill>
+                <a:solidFill>
+                  <a:srgbClr val="ffffff"/>
+                </a:solidFill>
+              </a:uFill>
+              <a:latin typeface="Arial"/>
+            </a:endParaRPr>
+          </a:p>
+          <a:p>
+            <a:pPr lvl="1" marL="384120" indent="-181800">
+              <a:lnSpc>
+                <a:spcPct val="100000"/>
+              </a:lnSpc>
+              <a:buClr>
+                <a:srgbClr val="1cade4"/>
+              </a:buClr>
+              <a:buFont typeface="Calibri"/>
+              <a:buChar char="◦"/>
+            </a:pPr>
+            <a:r>
+              <a:rPr b="0" lang="en-US" sz="1800" spc="-1" strike="noStrike">
+                <a:solidFill>
+                  <a:srgbClr val="404040"/>
+                </a:solidFill>
+                <a:uFill>
+                  <a:solidFill>
+                    <a:srgbClr val="ffffff"/>
+                  </a:solidFill>
+                </a:uFill>
+                <a:latin typeface="Calibri"/>
+                <a:ea typeface="DejaVu Sans"/>
+              </a:rPr>
+              <a:t> </a:t>
+            </a:r>
+            <a:r>
+              <a:rPr b="0" lang="en-US" sz="1800" spc="-1" strike="noStrike">
+                <a:solidFill>
+                  <a:srgbClr val="404040"/>
+                </a:solidFill>
+                <a:uFill>
+                  <a:solidFill>
+                    <a:srgbClr val="ffffff"/>
+                  </a:solidFill>
+                </a:uFill>
+                <a:latin typeface="Calibri"/>
+                <a:ea typeface="DejaVu Sans"/>
+              </a:rPr>
+              <a:t>Data can hence be analyzed and shared in a wider range. </a:t>
+            </a:r>
+            <a:endParaRPr b="0" lang="en-US" sz="1800" spc="-1" strike="noStrike">
+              <a:solidFill>
+                <a:srgbClr val="000000"/>
+              </a:solidFill>
+              <a:uFill>
+                <a:solidFill>
+                  <a:srgbClr val="ffffff"/>
+                </a:solidFill>
+              </a:uFill>
+              <a:latin typeface="Arial"/>
+            </a:endParaRPr>
+          </a:p>
+          <a:p>
+            <a:pPr lvl="1" marL="384120" indent="-181800">
+              <a:lnSpc>
+                <a:spcPct val="100000"/>
+              </a:lnSpc>
+              <a:buClr>
+                <a:srgbClr val="1cade4"/>
+              </a:buClr>
+              <a:buFont typeface="Calibri"/>
+              <a:buChar char="◦"/>
+            </a:pPr>
+            <a:r>
+              <a:rPr b="0" lang="en-US" sz="1800" spc="-1" strike="noStrike">
+                <a:solidFill>
+                  <a:srgbClr val="404040"/>
+                </a:solidFill>
+                <a:uFill>
+                  <a:solidFill>
+                    <a:srgbClr val="ffffff"/>
+                  </a:solidFill>
+                </a:uFill>
+                <a:latin typeface="Calibri"/>
+                <a:ea typeface="DejaVu Sans"/>
+              </a:rPr>
+              <a:t> </a:t>
+            </a:r>
+            <a:r>
+              <a:rPr b="0" lang="en-US" sz="1800" spc="-1" strike="noStrike">
+                <a:solidFill>
+                  <a:srgbClr val="404040"/>
+                </a:solidFill>
+                <a:uFill>
+                  <a:solidFill>
+                    <a:srgbClr val="ffffff"/>
+                  </a:solidFill>
+                </a:uFill>
+                <a:latin typeface="Calibri"/>
+                <a:ea typeface="DejaVu Sans"/>
+              </a:rPr>
+              <a:t>Scalability.</a:t>
+            </a:r>
+            <a:endParaRPr b="0" lang="en-US" sz="1800" spc="-1" strike="noStrike">
+              <a:solidFill>
+                <a:srgbClr val="000000"/>
+              </a:solidFill>
+              <a:uFill>
+                <a:solidFill>
+                  <a:srgbClr val="ffffff"/>
+                </a:solidFill>
+              </a:uFill>
+              <a:latin typeface="Arial"/>
+            </a:endParaRPr>
+          </a:p>
+          <a:p>
+            <a:pPr lvl="1" marL="384120" indent="-181800">
+              <a:lnSpc>
+                <a:spcPct val="100000"/>
+              </a:lnSpc>
+              <a:buClr>
+                <a:srgbClr val="1cade4"/>
+              </a:buClr>
+              <a:buFont typeface="Calibri"/>
+              <a:buChar char="◦"/>
+            </a:pPr>
+            <a:r>
+              <a:rPr b="0" lang="en-US" sz="1800" spc="-1" strike="noStrike">
+                <a:solidFill>
+                  <a:srgbClr val="404040"/>
+                </a:solidFill>
+                <a:uFill>
+                  <a:solidFill>
+                    <a:srgbClr val="ffffff"/>
+                  </a:solidFill>
+                </a:uFill>
+                <a:latin typeface="Calibri"/>
+                <a:ea typeface="DejaVu Sans"/>
+              </a:rPr>
+              <a:t> </a:t>
+            </a:r>
+            <a:r>
+              <a:rPr b="0" lang="en-US" sz="1800" spc="-1" strike="noStrike">
+                <a:solidFill>
+                  <a:srgbClr val="404040"/>
+                </a:solidFill>
+                <a:uFill>
+                  <a:solidFill>
+                    <a:srgbClr val="ffffff"/>
+                  </a:solidFill>
+                </a:uFill>
+                <a:latin typeface="Calibri"/>
+                <a:ea typeface="DejaVu Sans"/>
+              </a:rPr>
+              <a:t>Traffic optimisation.</a:t>
+            </a:r>
+            <a:endParaRPr b="0" lang="en-US" sz="1800" spc="-1" strike="noStrike">
+              <a:solidFill>
+                <a:srgbClr val="000000"/>
+              </a:solidFill>
+              <a:uFill>
+                <a:solidFill>
+                  <a:srgbClr val="ffffff"/>
+                </a:solidFill>
+              </a:uFill>
+              <a:latin typeface="Arial"/>
+            </a:endParaRPr>
+          </a:p>
+          <a:p>
+            <a:pPr>
+              <a:lnSpc>
+                <a:spcPct val="100000"/>
+              </a:lnSpc>
+            </a:pPr>
+            <a:endParaRPr b="0" lang="en-US" sz="1800" spc="-1" strike="noStrike">
+              <a:solidFill>
+                <a:srgbClr val="000000"/>
+              </a:solidFill>
+              <a:uFill>
+                <a:solidFill>
+                  <a:srgbClr val="ffffff"/>
+                </a:solidFill>
+              </a:uFill>
+              <a:latin typeface="Arial"/>
+            </a:endParaRPr>
+          </a:p>
+          <a:p>
+            <a:pPr>
+              <a:lnSpc>
+                <a:spcPct val="100000"/>
+              </a:lnSpc>
+            </a:pPr>
+            <a:endParaRPr b="0" lang="en-US" sz="1800" spc="-1" strike="noStrike">
+              <a:solidFill>
+                <a:srgbClr val="000000"/>
+              </a:solidFill>
+              <a:uFill>
+                <a:solidFill>
+                  <a:srgbClr val="ffffff"/>
+                </a:solidFill>
+              </a:uFill>
+              <a:latin typeface="Arial"/>
+            </a:endParaRPr>
+          </a:p>
+          <a:p>
+            <a:pPr>
+              <a:lnSpc>
+                <a:spcPct val="100000"/>
+              </a:lnSpc>
+            </a:pPr>
+            <a:endParaRPr b="0" lang="en-US" sz="1800" spc="-1" strike="noStrike">
+              <a:solidFill>
+                <a:srgbClr val="000000"/>
+              </a:solidFill>
+              <a:uFill>
+                <a:solidFill>
+                  <a:srgbClr val="ffffff"/>
+                </a:solidFill>
+              </a:uFill>
+              <a:latin typeface="Arial"/>
+            </a:endParaRPr>
+          </a:p>
+        </p:txBody>
+      </p:sp>
     </p:spTree>
   </p:cSld>
   <p:timing>
     <p:tnLst>
       <p:par>
-        <p:cTn id="11" dur="indefinite" restart="never" nodeType="tmRoot">
+        <p:cTn id="7" dur="indefinite" restart="never" nodeType="tmRoot">
           <p:childTnLst>
             <p:seq>
-              <p:cTn id="12" nodeType="mainSeq"/>
+              <p:cTn id="8" nodeType="mainSeq"/>
               <p:prevCondLst>
                 <p:cond delay="0" evt="onPrev">
                   <p:tgtEl>
@@ -5347,7 +6016,7 @@
                 <a:latin typeface="Calibri Light"/>
                 <a:ea typeface="DejaVu Sans"/>
               </a:rPr>
-              <a:t>Centralised control</a:t>
+              <a:t>Sustainability</a:t>
             </a:r>
             <a:endParaRPr b="0" lang="en-US" sz="1800" spc="-1" strike="noStrike">
               <a:solidFill>
@@ -5409,15 +6078,10 @@
             </a:endParaRPr>
           </a:p>
           <a:p>
-            <a:pPr marL="91440" indent="-90360">
+            <a:pPr>
               <a:lnSpc>
-                <a:spcPct val="90000"/>
+                <a:spcPct val="100000"/>
               </a:lnSpc>
-              <a:buClr>
-                <a:srgbClr val="1cade4"/>
-              </a:buClr>
-              <a:buFont typeface="Calibri"/>
-              <a:buChar char=" "/>
             </a:pPr>
             <a:r>
               <a:rPr b="0" lang="en-US" sz="2000" spc="-1" strike="noStrike">
@@ -5432,7 +6096,7 @@
                 <a:latin typeface="Calibri"/>
                 <a:ea typeface="DejaVu Sans"/>
               </a:rPr>
-              <a:t>Control processes are done locally on the vehicles.</a:t>
+              <a:t>Reducing fuel consumption by drafting.</a:t>
             </a:r>
             <a:endParaRPr b="0" lang="en-US" sz="1800" spc="-1" strike="noStrike">
               <a:solidFill>
@@ -5447,305 +6111,58 @@
             </a:endParaRPr>
           </a:p>
           <a:p>
-            <a:pPr marL="91440" indent="-90360">
+            <a:pPr>
               <a:lnSpc>
                 <a:spcPct val="90000"/>
               </a:lnSpc>
-              <a:buClr>
-                <a:srgbClr val="1cade4"/>
-              </a:buClr>
-              <a:buFont typeface="Calibri"/>
-              <a:buChar char=" "/>
-            </a:pPr>
-            <a:r>
-              <a:rPr b="0" lang="en-US" sz="2000" spc="-1" strike="noStrike">
-                <a:solidFill>
-                  <a:srgbClr val="404040"/>
-                </a:solidFill>
-                <a:uFill>
-                  <a:solidFill>
-                    <a:srgbClr val="ffffff"/>
-                  </a:solidFill>
-                </a:uFill>
-                <a:latin typeface="Calibri"/>
-                <a:ea typeface="DejaVu Sans"/>
-              </a:rPr>
-              <a:t>Power demanding.</a:t>
-            </a:r>
-            <a:endParaRPr b="0" lang="en-US" sz="1800" spc="-1" strike="noStrike">
-              <a:solidFill>
-                <a:srgbClr val="000000"/>
-              </a:solidFill>
-              <a:uFill>
-                <a:solidFill>
-                  <a:srgbClr val="ffffff"/>
-                </a:solidFill>
-              </a:uFill>
-              <a:latin typeface="Arial"/>
-            </a:endParaRPr>
-          </a:p>
-          <a:p>
-            <a:pPr marL="91440" indent="-90360">
-              <a:lnSpc>
-                <a:spcPct val="90000"/>
-              </a:lnSpc>
-              <a:buClr>
-                <a:srgbClr val="1cade4"/>
-              </a:buClr>
-              <a:buFont typeface="Calibri"/>
-              <a:buChar char=" "/>
-            </a:pPr>
-            <a:r>
-              <a:rPr b="0" lang="en-US" sz="2000" spc="-1" strike="noStrike">
-                <a:solidFill>
-                  <a:srgbClr val="404040"/>
-                </a:solidFill>
-                <a:uFill>
-                  <a:solidFill>
-                    <a:srgbClr val="ffffff"/>
-                  </a:solidFill>
-                </a:uFill>
-                <a:latin typeface="Calibri"/>
-                <a:ea typeface="DejaVu Sans"/>
-              </a:rPr>
-              <a:t>Emerging technologies makes it possible to migrate heavy computations to external servers.</a:t>
-            </a:r>
-            <a:endParaRPr b="0" lang="en-US" sz="1800" spc="-1" strike="noStrike">
-              <a:solidFill>
-                <a:srgbClr val="000000"/>
-              </a:solidFill>
-              <a:uFill>
-                <a:solidFill>
-                  <a:srgbClr val="ffffff"/>
-                </a:solidFill>
-              </a:uFill>
-              <a:latin typeface="Arial"/>
-            </a:endParaRPr>
-          </a:p>
-          <a:p>
-            <a:pPr lvl="1" marL="384120" indent="-181800">
-              <a:lnSpc>
-                <a:spcPct val="100000"/>
-              </a:lnSpc>
-              <a:buClr>
-                <a:srgbClr val="1cade4"/>
-              </a:buClr>
-              <a:buFont typeface="Calibri"/>
-              <a:buChar char="◦"/>
-            </a:pPr>
-            <a:r>
-              <a:rPr b="0" lang="en-US" sz="1800" spc="-1" strike="noStrike">
-                <a:solidFill>
-                  <a:srgbClr val="404040"/>
-                </a:solidFill>
-                <a:uFill>
-                  <a:solidFill>
-                    <a:srgbClr val="ffffff"/>
-                  </a:solidFill>
-                </a:uFill>
-                <a:latin typeface="Calibri"/>
-                <a:ea typeface="DejaVu Sans"/>
-              </a:rPr>
-              <a:t> </a:t>
-            </a:r>
-            <a:r>
-              <a:rPr b="0" lang="en-US" sz="1800" spc="-1" strike="noStrike">
-                <a:solidFill>
-                  <a:srgbClr val="404040"/>
-                </a:solidFill>
-                <a:uFill>
-                  <a:solidFill>
-                    <a:srgbClr val="ffffff"/>
-                  </a:solidFill>
-                </a:uFill>
-                <a:latin typeface="Calibri"/>
-                <a:ea typeface="DejaVu Sans"/>
-              </a:rPr>
-              <a:t>Data can hence be analyzed and shared in a wider range. </a:t>
-            </a:r>
-            <a:endParaRPr b="0" lang="en-US" sz="1800" spc="-1" strike="noStrike">
-              <a:solidFill>
-                <a:srgbClr val="000000"/>
-              </a:solidFill>
-              <a:uFill>
-                <a:solidFill>
-                  <a:srgbClr val="ffffff"/>
-                </a:solidFill>
-              </a:uFill>
-              <a:latin typeface="Arial"/>
-            </a:endParaRPr>
-          </a:p>
-          <a:p>
-            <a:pPr lvl="1" marL="384120" indent="-181800">
-              <a:lnSpc>
-                <a:spcPct val="100000"/>
-              </a:lnSpc>
-              <a:buClr>
-                <a:srgbClr val="1cade4"/>
-              </a:buClr>
-              <a:buFont typeface="Calibri"/>
-              <a:buChar char="◦"/>
-            </a:pPr>
-            <a:r>
-              <a:rPr b="0" lang="en-US" sz="1800" spc="-1" strike="noStrike">
-                <a:solidFill>
-                  <a:srgbClr val="404040"/>
-                </a:solidFill>
-                <a:uFill>
-                  <a:solidFill>
-                    <a:srgbClr val="ffffff"/>
-                  </a:solidFill>
-                </a:uFill>
-                <a:latin typeface="Calibri"/>
-                <a:ea typeface="DejaVu Sans"/>
-              </a:rPr>
-              <a:t> </a:t>
-            </a:r>
-            <a:r>
-              <a:rPr b="0" lang="en-US" sz="1800" spc="-1" strike="noStrike">
-                <a:solidFill>
-                  <a:srgbClr val="404040"/>
-                </a:solidFill>
-                <a:uFill>
-                  <a:solidFill>
-                    <a:srgbClr val="ffffff"/>
-                  </a:solidFill>
-                </a:uFill>
-                <a:latin typeface="Calibri"/>
-                <a:ea typeface="DejaVu Sans"/>
-              </a:rPr>
-              <a:t>Scalability.</a:t>
-            </a:r>
-            <a:endParaRPr b="0" lang="en-US" sz="1800" spc="-1" strike="noStrike">
-              <a:solidFill>
-                <a:srgbClr val="000000"/>
-              </a:solidFill>
-              <a:uFill>
-                <a:solidFill>
-                  <a:srgbClr val="ffffff"/>
-                </a:solidFill>
-              </a:uFill>
-              <a:latin typeface="Arial"/>
-            </a:endParaRPr>
-          </a:p>
-          <a:p>
-            <a:pPr lvl="1" marL="384120" indent="-181800">
-              <a:lnSpc>
-                <a:spcPct val="100000"/>
-              </a:lnSpc>
-              <a:buClr>
-                <a:srgbClr val="1cade4"/>
-              </a:buClr>
-              <a:buFont typeface="Calibri"/>
-              <a:buChar char="◦"/>
-            </a:pPr>
-            <a:r>
-              <a:rPr b="0" lang="en-US" sz="1800" spc="-1" strike="noStrike">
-                <a:solidFill>
-                  <a:srgbClr val="404040"/>
-                </a:solidFill>
-                <a:uFill>
-                  <a:solidFill>
-                    <a:srgbClr val="ffffff"/>
-                  </a:solidFill>
-                </a:uFill>
-                <a:latin typeface="Calibri"/>
-                <a:ea typeface="DejaVu Sans"/>
-              </a:rPr>
-              <a:t> </a:t>
-            </a:r>
-            <a:r>
-              <a:rPr b="0" lang="en-US" sz="1800" spc="-1" strike="noStrike">
-                <a:solidFill>
-                  <a:srgbClr val="404040"/>
-                </a:solidFill>
-                <a:uFill>
-                  <a:solidFill>
-                    <a:srgbClr val="ffffff"/>
-                  </a:solidFill>
-                </a:uFill>
-                <a:latin typeface="Calibri"/>
-                <a:ea typeface="DejaVu Sans"/>
-              </a:rPr>
-              <a:t>Traffic optimisation.</a:t>
-            </a:r>
-            <a:endParaRPr b="0" lang="en-US" sz="1800" spc="-1" strike="noStrike">
-              <a:solidFill>
-                <a:srgbClr val="000000"/>
-              </a:solidFill>
-              <a:uFill>
-                <a:solidFill>
-                  <a:srgbClr val="ffffff"/>
-                </a:solidFill>
-              </a:uFill>
-              <a:latin typeface="Arial"/>
-            </a:endParaRPr>
-          </a:p>
-          <a:p>
-            <a:pPr>
-              <a:lnSpc>
-                <a:spcPct val="100000"/>
-              </a:lnSpc>
-            </a:pPr>
-            <a:endParaRPr b="0" lang="en-US" sz="1800" spc="-1" strike="noStrike">
-              <a:solidFill>
-                <a:srgbClr val="000000"/>
-              </a:solidFill>
-              <a:uFill>
-                <a:solidFill>
-                  <a:srgbClr val="ffffff"/>
-                </a:solidFill>
-              </a:uFill>
-              <a:latin typeface="Arial"/>
-            </a:endParaRPr>
-          </a:p>
-          <a:p>
-            <a:pPr>
-              <a:lnSpc>
-                <a:spcPct val="100000"/>
-              </a:lnSpc>
-            </a:pPr>
-            <a:endParaRPr b="0" lang="en-US" sz="1800" spc="-1" strike="noStrike">
-              <a:solidFill>
-                <a:srgbClr val="000000"/>
-              </a:solidFill>
-              <a:uFill>
-                <a:solidFill>
-                  <a:srgbClr val="ffffff"/>
-                </a:solidFill>
-              </a:uFill>
-              <a:latin typeface="Arial"/>
-            </a:endParaRPr>
-          </a:p>
-          <a:p>
-            <a:pPr>
-              <a:lnSpc>
-                <a:spcPct val="100000"/>
-              </a:lnSpc>
-            </a:pPr>
-            <a:endParaRPr b="0" lang="en-US" sz="1800" spc="-1" strike="noStrike">
-              <a:solidFill>
-                <a:srgbClr val="000000"/>
-              </a:solidFill>
-              <a:uFill>
-                <a:solidFill>
-                  <a:srgbClr val="ffffff"/>
-                </a:solidFill>
-              </a:uFill>
-              <a:latin typeface="Arial"/>
-            </a:endParaRPr>
-          </a:p>
-        </p:txBody>
-      </p:sp>
+            </a:pPr>
+            <a:endParaRPr b="0" lang="en-US" sz="1800" spc="-1" strike="noStrike">
+              <a:solidFill>
+                <a:srgbClr val="000000"/>
+              </a:solidFill>
+              <a:uFill>
+                <a:solidFill>
+                  <a:srgbClr val="ffffff"/>
+                </a:solidFill>
+              </a:uFill>
+              <a:latin typeface="Arial"/>
+            </a:endParaRPr>
+          </a:p>
+        </p:txBody>
+      </p:sp>
+      <p:pic>
+        <p:nvPicPr>
+          <p:cNvPr id="95" name="Picture 2" descr=""/>
+          <p:cNvPicPr/>
+          <p:nvPr/>
+        </p:nvPicPr>
+        <p:blipFill>
+          <a:blip r:embed="rId1"/>
+          <a:srcRect l="3685" t="21855" r="11137" b="7290"/>
+          <a:stretch/>
+        </p:blipFill>
+        <p:spPr>
+          <a:xfrm>
+            <a:off x="2295360" y="3000240"/>
+            <a:ext cx="7078680" cy="2460600"/>
+          </a:xfrm>
+          <a:prstGeom prst="rect">
+            <a:avLst/>
+          </a:prstGeom>
+          <a:ln>
+            <a:noFill/>
+          </a:ln>
+        </p:spPr>
+      </p:pic>
     </p:spTree>
   </p:cSld>
   <p:timing>
     <p:tnLst>
       <p:par>
-        <p:cTn id="13" dur="indefinite" restart="never" nodeType="tmRoot">
+        <p:cTn id="9" dur="indefinite" restart="never" nodeType="tmRoot">
           <p:childTnLst>
             <p:seq>
-              <p:cTn id="14" nodeType="mainSeq"/>
+              <p:cTn id="10" nodeType="mainSeq"/>
               <p:prevCondLst>
                 <p:cond delay="0" evt="onPrev">
                   <p:tgtEl>
@@ -5788,7 +6205,7 @@
       </p:grpSpPr>
       <p:sp>
         <p:nvSpPr>
-          <p:cNvPr id="95" name="CustomShape 1"/>
+          <p:cNvPr id="96" name="CustomShape 1"/>
           <p:cNvSpPr/>
           <p:nvPr/>
         </p:nvSpPr>
@@ -5850,7 +6267,7 @@
       </p:sp>
       <p:sp>
         <p:nvSpPr>
-          <p:cNvPr id="96" name="CustomShape 2"/>
+          <p:cNvPr id="97" name="CustomShape 2"/>
           <p:cNvSpPr/>
           <p:nvPr/>
         </p:nvSpPr>
@@ -6088,7 +6505,7 @@
       </p:sp>
       <p:pic>
         <p:nvPicPr>
-          <p:cNvPr id="97" name="Picture 3" descr=""/>
+          <p:cNvPr id="98" name="Picture 3" descr=""/>
           <p:cNvPicPr/>
           <p:nvPr/>
         </p:nvPicPr>
@@ -6114,10 +6531,10 @@
   <p:timing>
     <p:tnLst>
       <p:par>
-        <p:cTn id="15" dur="indefinite" restart="never" nodeType="tmRoot">
+        <p:cTn id="11" dur="indefinite" restart="never" nodeType="tmRoot">
           <p:childTnLst>
             <p:seq>
-              <p:cTn id="16" nodeType="mainSeq"/>
+              <p:cTn id="12" nodeType="mainSeq"/>
               <p:prevCondLst>
                 <p:cond delay="0" evt="onPrev">
                   <p:tgtEl>
@@ -6160,7 +6577,7 @@
       </p:grpSpPr>
       <p:sp>
         <p:nvSpPr>
-          <p:cNvPr id="98" name="CustomShape 1"/>
+          <p:cNvPr id="99" name="CustomShape 1"/>
           <p:cNvSpPr/>
           <p:nvPr/>
         </p:nvSpPr>
@@ -6222,7 +6639,7 @@
       </p:sp>
       <p:sp>
         <p:nvSpPr>
-          <p:cNvPr id="99" name="CustomShape 2"/>
+          <p:cNvPr id="100" name="CustomShape 2"/>
           <p:cNvSpPr/>
           <p:nvPr/>
         </p:nvSpPr>
@@ -6558,10 +6975,10 @@
   <p:timing>
     <p:tnLst>
       <p:par>
-        <p:cTn id="17" dur="indefinite" restart="never" nodeType="tmRoot">
+        <p:cTn id="13" dur="indefinite" restart="never" nodeType="tmRoot">
           <p:childTnLst>
             <p:seq>
-              <p:cTn id="18" nodeType="mainSeq"/>
+              <p:cTn id="14" nodeType="mainSeq"/>
               <p:prevCondLst>
                 <p:cond delay="0" evt="onPrev">
                   <p:tgtEl>
@@ -6604,7 +7021,7 @@
       </p:grpSpPr>
       <p:sp>
         <p:nvSpPr>
-          <p:cNvPr id="100" name="CustomShape 1"/>
+          <p:cNvPr id="101" name="CustomShape 1"/>
           <p:cNvSpPr/>
           <p:nvPr/>
         </p:nvSpPr>
@@ -6666,7 +7083,7 @@
       </p:sp>
       <p:sp>
         <p:nvSpPr>
-          <p:cNvPr id="101" name="CustomShape 2"/>
+          <p:cNvPr id="102" name="CustomShape 2"/>
           <p:cNvSpPr/>
           <p:nvPr/>
         </p:nvSpPr>
@@ -6913,7 +7330,7 @@
       </p:sp>
       <p:pic>
         <p:nvPicPr>
-          <p:cNvPr id="102" name="" descr=""/>
+          <p:cNvPr id="103" name="" descr=""/>
           <p:cNvPicPr/>
           <p:nvPr/>
         </p:nvPicPr>
@@ -6939,10 +7356,10 @@
   <p:timing>
     <p:tnLst>
       <p:par>
-        <p:cTn id="19" dur="indefinite" restart="never" nodeType="tmRoot">
+        <p:cTn id="15" dur="indefinite" restart="never" nodeType="tmRoot">
           <p:childTnLst>
             <p:seq>
-              <p:cTn id="20" nodeType="mainSeq"/>
+              <p:cTn id="16" nodeType="mainSeq"/>
               <p:prevCondLst>
                 <p:cond delay="0" evt="onPrev">
                   <p:tgtEl>
@@ -6985,7 +7402,7 @@
       </p:grpSpPr>
       <p:sp>
         <p:nvSpPr>
-          <p:cNvPr id="103" name="CustomShape 1"/>
+          <p:cNvPr id="104" name="CustomShape 1"/>
           <p:cNvSpPr/>
           <p:nvPr/>
         </p:nvSpPr>
@@ -7047,7 +7464,7 @@
       </p:sp>
       <p:sp>
         <p:nvSpPr>
-          <p:cNvPr id="104" name="CustomShape 2"/>
+          <p:cNvPr id="105" name="CustomShape 2"/>
           <p:cNvSpPr/>
           <p:nvPr/>
         </p:nvSpPr>
@@ -7263,10 +7680,10 @@
   <p:timing>
     <p:tnLst>
       <p:par>
-        <p:cTn id="21" dur="indefinite" restart="never" nodeType="tmRoot">
+        <p:cTn id="17" dur="indefinite" restart="never" nodeType="tmRoot">
           <p:childTnLst>
             <p:seq>
-              <p:cTn id="22" nodeType="mainSeq"/>
+              <p:cTn id="18" nodeType="mainSeq"/>
               <p:prevCondLst>
                 <p:cond delay="0" evt="onPrev">
                   <p:tgtEl>
